--- a/11. Language Model/Language Model.pptx
+++ b/11. Language Model/Language Model.pptx
@@ -12462,7 +12462,7 @@
           <a:p>
             <a:r>
               <a:rPr lang="ko-KR" altLang="en-US" sz="2400" dirty="0"/>
-              <a:t>통계적 언어모델은 각 단어에 대한 예측 확률을 곱함</a:t>
+              <a:t>통계적 언어모델은 각 단어에 대한 예측 확률의 곱</a:t>
             </a:r>
             <a:endParaRPr lang="en-US" altLang="ko-KR" sz="2400" dirty="0"/>
           </a:p>
@@ -12628,7 +12628,7 @@
           <a:p>
             <a:r>
               <a:rPr lang="ko-KR" altLang="en-US" sz="2400" dirty="0"/>
-              <a:t>통계적 언어모델은 각 단어에 대한 예측 확률을 곱함</a:t>
+              <a:t>통계적 언어모델은 각 단어에 대한 예측 확률의 곱</a:t>
             </a:r>
             <a:endParaRPr lang="en-US" altLang="ko-KR" sz="2400" dirty="0"/>
           </a:p>

--- a/11. Language Model/Language Model.pptx
+++ b/11. Language Model/Language Model.pptx
@@ -5,7 +5,7 @@
     <p:sldMasterId id="2147483648" r:id="rId1"/>
   </p:sldMasterIdLst>
   <p:notesMasterIdLst>
-    <p:notesMasterId r:id="rId35"/>
+    <p:notesMasterId r:id="rId38"/>
   </p:notesMasterIdLst>
   <p:sldIdLst>
     <p:sldId id="256" r:id="rId2"/>
@@ -15,32 +15,35 @@
     <p:sldId id="286" r:id="rId6"/>
     <p:sldId id="287" r:id="rId7"/>
     <p:sldId id="289" r:id="rId8"/>
-    <p:sldId id="259" r:id="rId9"/>
-    <p:sldId id="260" r:id="rId10"/>
-    <p:sldId id="262" r:id="rId11"/>
-    <p:sldId id="290" r:id="rId12"/>
-    <p:sldId id="265" r:id="rId13"/>
-    <p:sldId id="266" r:id="rId14"/>
-    <p:sldId id="267" r:id="rId15"/>
-    <p:sldId id="268" r:id="rId16"/>
-    <p:sldId id="294" r:id="rId17"/>
-    <p:sldId id="269" r:id="rId18"/>
-    <p:sldId id="295" r:id="rId19"/>
-    <p:sldId id="297" r:id="rId20"/>
-    <p:sldId id="296" r:id="rId21"/>
-    <p:sldId id="298" r:id="rId22"/>
-    <p:sldId id="284" r:id="rId23"/>
-    <p:sldId id="270" r:id="rId24"/>
-    <p:sldId id="275" r:id="rId25"/>
-    <p:sldId id="276" r:id="rId26"/>
-    <p:sldId id="281" r:id="rId27"/>
-    <p:sldId id="279" r:id="rId28"/>
-    <p:sldId id="280" r:id="rId29"/>
-    <p:sldId id="271" r:id="rId30"/>
-    <p:sldId id="282" r:id="rId31"/>
-    <p:sldId id="283" r:id="rId32"/>
-    <p:sldId id="299" r:id="rId33"/>
-    <p:sldId id="272" r:id="rId34"/>
+    <p:sldId id="300" r:id="rId9"/>
+    <p:sldId id="259" r:id="rId10"/>
+    <p:sldId id="260" r:id="rId11"/>
+    <p:sldId id="262" r:id="rId12"/>
+    <p:sldId id="290" r:id="rId13"/>
+    <p:sldId id="265" r:id="rId14"/>
+    <p:sldId id="266" r:id="rId15"/>
+    <p:sldId id="267" r:id="rId16"/>
+    <p:sldId id="268" r:id="rId17"/>
+    <p:sldId id="301" r:id="rId18"/>
+    <p:sldId id="294" r:id="rId19"/>
+    <p:sldId id="269" r:id="rId20"/>
+    <p:sldId id="295" r:id="rId21"/>
+    <p:sldId id="297" r:id="rId22"/>
+    <p:sldId id="296" r:id="rId23"/>
+    <p:sldId id="298" r:id="rId24"/>
+    <p:sldId id="302" r:id="rId25"/>
+    <p:sldId id="284" r:id="rId26"/>
+    <p:sldId id="270" r:id="rId27"/>
+    <p:sldId id="275" r:id="rId28"/>
+    <p:sldId id="276" r:id="rId29"/>
+    <p:sldId id="281" r:id="rId30"/>
+    <p:sldId id="279" r:id="rId31"/>
+    <p:sldId id="280" r:id="rId32"/>
+    <p:sldId id="271" r:id="rId33"/>
+    <p:sldId id="282" r:id="rId34"/>
+    <p:sldId id="283" r:id="rId35"/>
+    <p:sldId id="299" r:id="rId36"/>
+    <p:sldId id="272" r:id="rId37"/>
   </p:sldIdLst>
   <p:sldSz cx="12192000" cy="6858000"/>
   <p:notesSz cx="6858000" cy="9144000"/>
@@ -733,7 +736,7 @@
           <a:p>
             <a:fld id="{437338BD-3F3B-4523-AE4F-1240ACAAF31E}" type="slidenum">
               <a:rPr lang="ko-KR" altLang="en-US" smtClean="0"/>
-              <a:t>29</a:t>
+              <a:t>32</a:t>
             </a:fld>
             <a:endParaRPr lang="ko-KR" altLang="en-US"/>
           </a:p>
@@ -845,7 +848,7 @@
           <a:p>
             <a:fld id="{437338BD-3F3B-4523-AE4F-1240ACAAF31E}" type="slidenum">
               <a:rPr lang="ko-KR" altLang="en-US" smtClean="0"/>
-              <a:t>8</a:t>
+              <a:t>9</a:t>
             </a:fld>
             <a:endParaRPr lang="ko-KR" altLang="en-US"/>
           </a:p>
@@ -972,7 +975,7 @@
           <a:p>
             <a:fld id="{437338BD-3F3B-4523-AE4F-1240ACAAF31E}" type="slidenum">
               <a:rPr lang="ko-KR" altLang="en-US" smtClean="0"/>
-              <a:t>9</a:t>
+              <a:t>10</a:t>
             </a:fld>
             <a:endParaRPr lang="ko-KR" altLang="en-US"/>
           </a:p>
@@ -1112,7 +1115,7 @@
           <a:p>
             <a:fld id="{437338BD-3F3B-4523-AE4F-1240ACAAF31E}" type="slidenum">
               <a:rPr lang="ko-KR" altLang="en-US" smtClean="0"/>
-              <a:t>10</a:t>
+              <a:t>11</a:t>
             </a:fld>
             <a:endParaRPr lang="ko-KR" altLang="en-US"/>
           </a:p>
@@ -1238,7 +1241,7 @@
           <a:p>
             <a:fld id="{437338BD-3F3B-4523-AE4F-1240ACAAF31E}" type="slidenum">
               <a:rPr lang="ko-KR" altLang="en-US" smtClean="0"/>
-              <a:t>11</a:t>
+              <a:t>12</a:t>
             </a:fld>
             <a:endParaRPr lang="ko-KR" altLang="en-US"/>
           </a:p>
@@ -1329,7 +1332,7 @@
           <a:p>
             <a:fld id="{437338BD-3F3B-4523-AE4F-1240ACAAF31E}" type="slidenum">
               <a:rPr lang="ko-KR" altLang="en-US" smtClean="0"/>
-              <a:t>12</a:t>
+              <a:t>13</a:t>
             </a:fld>
             <a:endParaRPr lang="ko-KR" altLang="en-US"/>
           </a:p>
@@ -1523,7 +1526,7 @@
           <a:p>
             <a:fld id="{437338BD-3F3B-4523-AE4F-1240ACAAF31E}" type="slidenum">
               <a:rPr lang="ko-KR" altLang="en-US" smtClean="0"/>
-              <a:t>20</a:t>
+              <a:t>22</a:t>
             </a:fld>
             <a:endParaRPr lang="ko-KR" altLang="en-US"/>
           </a:p>
@@ -1619,7 +1622,7 @@
           <a:p>
             <a:fld id="{437338BD-3F3B-4523-AE4F-1240ACAAF31E}" type="slidenum">
               <a:rPr lang="ko-KR" altLang="en-US" smtClean="0"/>
-              <a:t>24</a:t>
+              <a:t>27</a:t>
             </a:fld>
             <a:endParaRPr lang="ko-KR" altLang="en-US"/>
           </a:p>
@@ -1742,7 +1745,7 @@
           <a:p>
             <a:fld id="{437338BD-3F3B-4523-AE4F-1240ACAAF31E}" type="slidenum">
               <a:rPr lang="ko-KR" altLang="en-US" smtClean="0"/>
-              <a:t>28</a:t>
+              <a:t>31</a:t>
             </a:fld>
             <a:endParaRPr lang="ko-KR" altLang="en-US"/>
           </a:p>
@@ -5104,6 +5107,270 @@
           <p:cNvPr id="2" name="Title 1">
             <a:extLst>
               <a:ext uri="{FF2B5EF4-FFF2-40B4-BE49-F238E27FC236}">
+                <a16:creationId xmlns:a16="http://schemas.microsoft.com/office/drawing/2014/main" id="{23E17703-939A-DB40-A019-5FA7A6E210EC}"/>
+              </a:ext>
+            </a:extLst>
+          </p:cNvPr>
+          <p:cNvSpPr>
+            <a:spLocks noGrp="1"/>
+          </p:cNvSpPr>
+          <p:nvPr>
+            <p:ph type="title"/>
+          </p:nvPr>
+        </p:nvSpPr>
+        <p:spPr/>
+        <p:txBody>
+          <a:bodyPr/>
+          <a:lstStyle/>
+          <a:p>
+            <a:r>
+              <a:rPr lang="en-US" dirty="0"/>
+              <a:t>Spelling Correction</a:t>
+            </a:r>
+            <a:r>
+              <a:rPr lang="ko-KR" altLang="en-US" dirty="0"/>
+              <a:t> </a:t>
+            </a:r>
+            <a:r>
+              <a:rPr lang="en-US" altLang="ko-KR" dirty="0"/>
+              <a:t>–</a:t>
+            </a:r>
+            <a:r>
+              <a:rPr lang="ko-KR" altLang="en-US" dirty="0"/>
+              <a:t> </a:t>
+            </a:r>
+            <a:r>
+              <a:rPr lang="en-US" altLang="ko-KR" dirty="0"/>
+              <a:t>Noisy Channel</a:t>
+            </a:r>
+            <a:endParaRPr lang="en-KR" dirty="0"/>
+          </a:p>
+        </p:txBody>
+      </p:sp>
+      <p:sp>
+        <p:nvSpPr>
+          <p:cNvPr id="3" name="Content Placeholder 2">
+            <a:extLst>
+              <a:ext uri="{FF2B5EF4-FFF2-40B4-BE49-F238E27FC236}">
+                <a16:creationId xmlns:a16="http://schemas.microsoft.com/office/drawing/2014/main" id="{F720A283-D182-B74E-9CC7-1C913B90F62E}"/>
+              </a:ext>
+            </a:extLst>
+          </p:cNvPr>
+          <p:cNvSpPr>
+            <a:spLocks noGrp="1"/>
+          </p:cNvSpPr>
+          <p:nvPr>
+            <p:ph idx="1"/>
+          </p:nvPr>
+        </p:nvSpPr>
+        <p:spPr/>
+        <p:txBody>
+          <a:bodyPr/>
+          <a:lstStyle/>
+          <a:p>
+            <a:r>
+              <a:rPr lang="en-KR" altLang="ko-KR" dirty="0"/>
+              <a:t>Noisy Channel</a:t>
+            </a:r>
+            <a:r>
+              <a:rPr lang="ko-KR" altLang="en-US" dirty="0"/>
+              <a:t> </a:t>
+            </a:r>
+            <a:r>
+              <a:rPr lang="en-US" altLang="ko-KR" dirty="0"/>
+              <a:t>Model</a:t>
+            </a:r>
+            <a:endParaRPr lang="en-KR" altLang="ko-KR" dirty="0"/>
+          </a:p>
+          <a:p>
+            <a:pPr lvl="1"/>
+            <a:endParaRPr lang="en-US" altLang="ko-KR" dirty="0"/>
+          </a:p>
+          <a:p>
+            <a:pPr lvl="1"/>
+            <a:endParaRPr lang="en-US" altLang="ko-KR" dirty="0"/>
+          </a:p>
+          <a:p>
+            <a:pPr lvl="1"/>
+            <a:endParaRPr lang="en-US" altLang="ko-KR" dirty="0"/>
+          </a:p>
+          <a:p>
+            <a:pPr lvl="1"/>
+            <a:endParaRPr lang="en-US" altLang="ko-KR" dirty="0"/>
+          </a:p>
+          <a:p>
+            <a:pPr lvl="1"/>
+            <a:endParaRPr lang="en-US" altLang="ko-KR" dirty="0"/>
+          </a:p>
+          <a:p>
+            <a:r>
+              <a:rPr lang="en-US" altLang="ko-KR" sz="2000" dirty="0"/>
+              <a:t>Bayesian inference</a:t>
+            </a:r>
+            <a:r>
+              <a:rPr lang="ko-KR" altLang="en-US" sz="2000" dirty="0"/>
+              <a:t>의 일종으로 잘못 </a:t>
+            </a:r>
+            <a:r>
+              <a:rPr lang="ko-KR" altLang="en-US" sz="2000" dirty="0" err="1"/>
+              <a:t>스펠링된</a:t>
+            </a:r>
+            <a:r>
+              <a:rPr lang="ko-KR" altLang="en-US" sz="2000" dirty="0"/>
+              <a:t> 단어인 관찰 </a:t>
+            </a:r>
+            <a:r>
+              <a:rPr lang="en-US" altLang="ko-KR" sz="2000" dirty="0"/>
+              <a:t>x</a:t>
+            </a:r>
+            <a:r>
+              <a:rPr lang="ko-KR" altLang="en-US" sz="2000" dirty="0" err="1"/>
+              <a:t>를</a:t>
+            </a:r>
+            <a:r>
+              <a:rPr lang="ko-KR" altLang="en-US" sz="2000" dirty="0"/>
+              <a:t> 보고</a:t>
+            </a:r>
+            <a:r>
+              <a:rPr lang="en-US" altLang="ko-KR" sz="2000" dirty="0"/>
+              <a:t>,</a:t>
+            </a:r>
+            <a:r>
+              <a:rPr lang="ko-KR" altLang="en-US" sz="2000" dirty="0"/>
+              <a:t> 원래의 단어 </a:t>
+            </a:r>
+            <a:r>
+              <a:rPr lang="en-US" altLang="ko-KR" sz="2000" dirty="0"/>
+              <a:t>w</a:t>
+            </a:r>
+            <a:r>
+              <a:rPr lang="ko-KR" altLang="en-US" sz="2000" dirty="0"/>
+              <a:t>를 찾는 것</a:t>
+            </a:r>
+            <a:endParaRPr lang="en-US" altLang="ko-KR" sz="2000" dirty="0"/>
+          </a:p>
+          <a:p>
+            <a:r>
+              <a:rPr lang="ko-KR" altLang="en-US" sz="2000" dirty="0"/>
+              <a:t>사전에서 나타나는 모든 </a:t>
+            </a:r>
+            <a:r>
+              <a:rPr lang="ko-KR" altLang="en-US" sz="2000" dirty="0" err="1"/>
+              <a:t>단어들에서</a:t>
+            </a:r>
+            <a:r>
+              <a:rPr lang="en-US" altLang="ko-KR" sz="2000" dirty="0"/>
+              <a:t>,</a:t>
+            </a:r>
+            <a:r>
+              <a:rPr lang="ko-KR" altLang="en-US" sz="2000" dirty="0"/>
+              <a:t> </a:t>
+            </a:r>
+            <a:r>
+              <a:rPr lang="ko-KR" altLang="en-US" sz="2000" dirty="0" err="1"/>
+              <a:t>우변식</a:t>
+            </a:r>
+            <a:r>
+              <a:rPr lang="ko-KR" altLang="en-US" sz="2000" dirty="0"/>
+              <a:t> </a:t>
+            </a:r>
+            <a:r>
+              <a:rPr lang="en-US" altLang="ko-KR" sz="2000" dirty="0"/>
+              <a:t>P(</a:t>
+            </a:r>
+            <a:r>
+              <a:rPr lang="en-US" altLang="ko-KR" sz="2000" dirty="0" err="1"/>
+              <a:t>w|x</a:t>
+            </a:r>
+            <a:r>
+              <a:rPr lang="en-US" altLang="ko-KR" sz="2000" dirty="0"/>
+              <a:t>)</a:t>
+            </a:r>
+            <a:r>
+              <a:rPr lang="ko-KR" altLang="en-US" sz="2000" dirty="0" err="1"/>
+              <a:t>를</a:t>
+            </a:r>
+            <a:r>
+              <a:rPr lang="ko-KR" altLang="en-US" sz="2000" dirty="0"/>
+              <a:t> 최대화시키는 특정 단어를 찾는 것이 </a:t>
+            </a:r>
+            <a:r>
+              <a:rPr lang="en-US" altLang="ko-KR" sz="2000" dirty="0"/>
+              <a:t>Noisy Channel</a:t>
+            </a:r>
+            <a:r>
+              <a:rPr lang="ko-KR" altLang="en-US" sz="2000" dirty="0"/>
+              <a:t>의 목적</a:t>
+            </a:r>
+            <a:endParaRPr lang="en-US" altLang="ko-KR" sz="2000" dirty="0"/>
+          </a:p>
+        </p:txBody>
+      </p:sp>
+      <p:pic>
+        <p:nvPicPr>
+          <p:cNvPr id="7" name="Picture 6" descr="A close up of a logo&#10;&#10;Description automatically generated">
+            <a:extLst>
+              <a:ext uri="{FF2B5EF4-FFF2-40B4-BE49-F238E27FC236}">
+                <a16:creationId xmlns:a16="http://schemas.microsoft.com/office/drawing/2014/main" id="{C9C27087-204C-B149-8FA0-F83BF06208CB}"/>
+              </a:ext>
+            </a:extLst>
+          </p:cNvPr>
+          <p:cNvPicPr>
+            <a:picLocks noChangeAspect="1"/>
+          </p:cNvPicPr>
+          <p:nvPr/>
+        </p:nvPicPr>
+        <p:blipFill>
+          <a:blip r:embed="rId3"/>
+          <a:stretch>
+            <a:fillRect/>
+          </a:stretch>
+        </p:blipFill>
+        <p:spPr>
+          <a:xfrm>
+            <a:off x="3326166" y="2686843"/>
+            <a:ext cx="5539668" cy="1484313"/>
+          </a:xfrm>
+          <a:prstGeom prst="rect">
+            <a:avLst/>
+          </a:prstGeom>
+        </p:spPr>
+      </p:pic>
+    </p:spTree>
+    <p:extLst>
+      <p:ext uri="{BB962C8B-B14F-4D97-AF65-F5344CB8AC3E}">
+        <p14:creationId xmlns:p14="http://schemas.microsoft.com/office/powerpoint/2010/main" val="3026652323"/>
+      </p:ext>
+    </p:extLst>
+  </p:cSld>
+  <p:clrMapOvr>
+    <a:masterClrMapping/>
+  </p:clrMapOvr>
+</p:sld>
+</file>
+
+<file path=ppt/slides/slide11.xml><?xml version="1.0" encoding="utf-8"?>
+<p:sld xmlns:a="http://schemas.openxmlformats.org/drawingml/2006/main" xmlns:r="http://schemas.openxmlformats.org/officeDocument/2006/relationships" xmlns:p="http://schemas.openxmlformats.org/presentationml/2006/main">
+  <p:cSld>
+    <p:spTree>
+      <p:nvGrpSpPr>
+        <p:cNvPr id="1" name=""/>
+        <p:cNvGrpSpPr/>
+        <p:nvPr/>
+      </p:nvGrpSpPr>
+      <p:grpSpPr>
+        <a:xfrm>
+          <a:off x="0" y="0"/>
+          <a:ext cx="0" cy="0"/>
+          <a:chOff x="0" y="0"/>
+          <a:chExt cx="0" cy="0"/>
+        </a:xfrm>
+      </p:grpSpPr>
+      <p:sp>
+        <p:nvSpPr>
+          <p:cNvPr id="2" name="Title 1">
+            <a:extLst>
+              <a:ext uri="{FF2B5EF4-FFF2-40B4-BE49-F238E27FC236}">
                 <a16:creationId xmlns:a16="http://schemas.microsoft.com/office/drawing/2014/main" id="{DB775092-C64B-3A40-BB6C-B9E04B739D85}"/>
               </a:ext>
             </a:extLst>
@@ -5648,7 +5915,7 @@
 </p:sld>
 </file>
 
-<file path=ppt/slides/slide11.xml><?xml version="1.0" encoding="utf-8"?>
+<file path=ppt/slides/slide12.xml><?xml version="1.0" encoding="utf-8"?>
 <p:sld xmlns:a="http://schemas.openxmlformats.org/drawingml/2006/main" xmlns:r="http://schemas.openxmlformats.org/officeDocument/2006/relationships" xmlns:p="http://schemas.openxmlformats.org/presentationml/2006/main">
   <p:cSld>
     <p:spTree>
@@ -5866,7 +6133,7 @@
 </p:sld>
 </file>
 
-<file path=ppt/slides/slide12.xml><?xml version="1.0" encoding="utf-8"?>
+<file path=ppt/slides/slide13.xml><?xml version="1.0" encoding="utf-8"?>
 <p:sld xmlns:a="http://schemas.openxmlformats.org/drawingml/2006/main" xmlns:r="http://schemas.openxmlformats.org/officeDocument/2006/relationships" xmlns:p="http://schemas.openxmlformats.org/presentationml/2006/main">
   <p:cSld>
     <p:spTree>
@@ -6246,7 +6513,7 @@
 </p:sld>
 </file>
 
-<file path=ppt/slides/slide13.xml><?xml version="1.0" encoding="utf-8"?>
+<file path=ppt/slides/slide14.xml><?xml version="1.0" encoding="utf-8"?>
 <p:sld xmlns:a="http://schemas.openxmlformats.org/drawingml/2006/main" xmlns:r="http://schemas.openxmlformats.org/officeDocument/2006/relationships" xmlns:p="http://schemas.openxmlformats.org/presentationml/2006/main">
   <p:cSld>
     <p:spTree>
@@ -6532,7 +6799,7 @@
 </p:sld>
 </file>
 
-<file path=ppt/slides/slide14.xml><?xml version="1.0" encoding="utf-8"?>
+<file path=ppt/slides/slide15.xml><?xml version="1.0" encoding="utf-8"?>
 <p:sld xmlns:a="http://schemas.openxmlformats.org/drawingml/2006/main" xmlns:r="http://schemas.openxmlformats.org/officeDocument/2006/relationships" xmlns:p="http://schemas.openxmlformats.org/presentationml/2006/main">
   <p:cSld>
     <p:spTree>
@@ -6621,7 +6888,7 @@
 </p:sld>
 </file>
 
-<file path=ppt/slides/slide15.xml><?xml version="1.0" encoding="utf-8"?>
+<file path=ppt/slides/slide16.xml><?xml version="1.0" encoding="utf-8"?>
 <p:sld xmlns:a="http://schemas.openxmlformats.org/drawingml/2006/main" xmlns:r="http://schemas.openxmlformats.org/officeDocument/2006/relationships" xmlns:p="http://schemas.openxmlformats.org/presentationml/2006/main">
   <p:cSld>
     <p:spTree>
@@ -6784,7 +7051,71 @@
 </p:sld>
 </file>
 
-<file path=ppt/slides/slide16.xml><?xml version="1.0" encoding="utf-8"?>
+<file path=ppt/slides/slide17.xml><?xml version="1.0" encoding="utf-8"?>
+<p:sld xmlns:a="http://schemas.openxmlformats.org/drawingml/2006/main" xmlns:r="http://schemas.openxmlformats.org/officeDocument/2006/relationships" xmlns:p="http://schemas.openxmlformats.org/presentationml/2006/main">
+  <p:cSld>
+    <p:spTree>
+      <p:nvGrpSpPr>
+        <p:cNvPr id="1" name=""/>
+        <p:cNvGrpSpPr/>
+        <p:nvPr/>
+      </p:nvGrpSpPr>
+      <p:grpSpPr>
+        <a:xfrm>
+          <a:off x="0" y="0"/>
+          <a:ext cx="0" cy="0"/>
+          <a:chOff x="0" y="0"/>
+          <a:chExt cx="0" cy="0"/>
+        </a:xfrm>
+      </p:grpSpPr>
+      <p:sp>
+        <p:nvSpPr>
+          <p:cNvPr id="2" name="제목 1">
+            <a:extLst>
+              <a:ext uri="{FF2B5EF4-FFF2-40B4-BE49-F238E27FC236}">
+                <a16:creationId xmlns:a16="http://schemas.microsoft.com/office/drawing/2014/main" id="{B5842886-CEBB-433C-BA09-C12C5ECC7E08}"/>
+              </a:ext>
+            </a:extLst>
+          </p:cNvPr>
+          <p:cNvSpPr>
+            <a:spLocks noGrp="1"/>
+          </p:cNvSpPr>
+          <p:nvPr>
+            <p:ph type="title"/>
+          </p:nvPr>
+        </p:nvSpPr>
+        <p:spPr>
+          <a:xfrm>
+            <a:off x="3645008" y="2766218"/>
+            <a:ext cx="4901983" cy="1325563"/>
+          </a:xfrm>
+        </p:spPr>
+        <p:txBody>
+          <a:bodyPr/>
+          <a:lstStyle/>
+          <a:p>
+            <a:r>
+              <a:rPr lang="en-KR" altLang="ko-KR" dirty="0"/>
+              <a:t>Speech recognition</a:t>
+            </a:r>
+            <a:endParaRPr lang="ko-KR" altLang="en-US" dirty="0"/>
+          </a:p>
+        </p:txBody>
+      </p:sp>
+    </p:spTree>
+    <p:extLst>
+      <p:ext uri="{BB962C8B-B14F-4D97-AF65-F5344CB8AC3E}">
+        <p14:creationId xmlns:p14="http://schemas.microsoft.com/office/powerpoint/2010/main" val="31318731"/>
+      </p:ext>
+    </p:extLst>
+  </p:cSld>
+  <p:clrMapOvr>
+    <a:masterClrMapping/>
+  </p:clrMapOvr>
+</p:sld>
+</file>
+
+<file path=ppt/slides/slide18.xml><?xml version="1.0" encoding="utf-8"?>
 <p:sld xmlns:a="http://schemas.openxmlformats.org/drawingml/2006/main" xmlns:r="http://schemas.openxmlformats.org/officeDocument/2006/relationships" xmlns:p="http://schemas.openxmlformats.org/presentationml/2006/main">
   <p:cSld>
     <p:spTree>
@@ -7024,7 +7355,7 @@
 </p:sld>
 </file>
 
-<file path=ppt/slides/slide17.xml><?xml version="1.0" encoding="utf-8"?>
+<file path=ppt/slides/slide19.xml><?xml version="1.0" encoding="utf-8"?>
 <p:sld xmlns:a="http://schemas.openxmlformats.org/drawingml/2006/main" xmlns:r="http://schemas.openxmlformats.org/officeDocument/2006/relationships" xmlns:p="http://schemas.openxmlformats.org/presentationml/2006/main">
   <p:cSld>
     <p:spTree>
@@ -7216,7 +7547,377 @@
 </p:sld>
 </file>
 
-<file path=ppt/slides/slide18.xml><?xml version="1.0" encoding="utf-8"?>
+<file path=ppt/slides/slide2.xml><?xml version="1.0" encoding="utf-8"?>
+<p:sld xmlns:a="http://schemas.openxmlformats.org/drawingml/2006/main" xmlns:r="http://schemas.openxmlformats.org/officeDocument/2006/relationships" xmlns:p="http://schemas.openxmlformats.org/presentationml/2006/main">
+  <p:cSld>
+    <p:spTree>
+      <p:nvGrpSpPr>
+        <p:cNvPr id="1" name=""/>
+        <p:cNvGrpSpPr/>
+        <p:nvPr/>
+      </p:nvGrpSpPr>
+      <p:grpSpPr>
+        <a:xfrm>
+          <a:off x="0" y="0"/>
+          <a:ext cx="0" cy="0"/>
+          <a:chOff x="0" y="0"/>
+          <a:chExt cx="0" cy="0"/>
+        </a:xfrm>
+      </p:grpSpPr>
+      <p:sp>
+        <p:nvSpPr>
+          <p:cNvPr id="2" name="Title 1">
+            <a:extLst>
+              <a:ext uri="{FF2B5EF4-FFF2-40B4-BE49-F238E27FC236}">
+                <a16:creationId xmlns:a16="http://schemas.microsoft.com/office/drawing/2014/main" id="{995B1892-DC1E-8D4A-8983-1D4DA7145E4E}"/>
+              </a:ext>
+            </a:extLst>
+          </p:cNvPr>
+          <p:cNvSpPr>
+            <a:spLocks noGrp="1"/>
+          </p:cNvSpPr>
+          <p:nvPr>
+            <p:ph type="title"/>
+          </p:nvPr>
+        </p:nvSpPr>
+        <p:spPr/>
+        <p:txBody>
+          <a:bodyPr/>
+          <a:lstStyle/>
+          <a:p>
+            <a:r>
+              <a:rPr lang="ko-KR" altLang="en-US" dirty="0"/>
+              <a:t>언어 모델이란</a:t>
+            </a:r>
+            <a:r>
+              <a:rPr lang="en-US" altLang="ko-KR" dirty="0"/>
+              <a:t>?</a:t>
+            </a:r>
+            <a:endParaRPr lang="en-KR" dirty="0"/>
+          </a:p>
+        </p:txBody>
+      </p:sp>
+      <p:sp>
+        <p:nvSpPr>
+          <p:cNvPr id="3" name="Content Placeholder 2">
+            <a:extLst>
+              <a:ext uri="{FF2B5EF4-FFF2-40B4-BE49-F238E27FC236}">
+                <a16:creationId xmlns:a16="http://schemas.microsoft.com/office/drawing/2014/main" id="{85C56D08-7853-0045-9373-CCD8368B26A5}"/>
+              </a:ext>
+            </a:extLst>
+          </p:cNvPr>
+          <p:cNvSpPr>
+            <a:spLocks noGrp="1"/>
+          </p:cNvSpPr>
+          <p:nvPr>
+            <p:ph idx="1"/>
+          </p:nvPr>
+        </p:nvSpPr>
+        <p:spPr/>
+        <p:txBody>
+          <a:bodyPr/>
+          <a:lstStyle/>
+          <a:p>
+            <a:r>
+              <a:rPr lang="ko-KR" altLang="en-US" dirty="0"/>
+              <a:t>단어 시퀀스에 확률을 할당하는 모델</a:t>
+            </a:r>
+            <a:endParaRPr lang="en-US" altLang="ko-KR" dirty="0"/>
+          </a:p>
+          <a:p>
+            <a:pPr lvl="1"/>
+            <a:r>
+              <a:rPr lang="ko-KR" altLang="en-US" dirty="0"/>
+              <a:t>언어라는 현상을 모델링하고자 단어 시퀀스에 확률을 할당하는 모델</a:t>
+            </a:r>
+            <a:endParaRPr lang="en-US" altLang="ko-KR" dirty="0"/>
+          </a:p>
+          <a:p>
+            <a:pPr lvl="1"/>
+            <a:r>
+              <a:rPr lang="ko-KR" altLang="en-US" dirty="0"/>
+              <a:t>영어</a:t>
+            </a:r>
+            <a:r>
+              <a:rPr lang="en-US" altLang="ko-KR" dirty="0"/>
+              <a:t> : p</a:t>
+            </a:r>
+            <a:r>
+              <a:rPr lang="en-US" altLang="ko-KR" baseline="-25000" dirty="0"/>
+              <a:t>1</a:t>
+            </a:r>
+            <a:r>
+              <a:rPr lang="en-US" altLang="ko-KR" dirty="0"/>
+              <a:t> &gt; p</a:t>
+            </a:r>
+            <a:r>
+              <a:rPr lang="en-US" altLang="ko-KR" baseline="-25000" dirty="0"/>
+              <a:t>2</a:t>
+            </a:r>
+            <a:r>
+              <a:rPr lang="en-US" altLang="ko-KR" dirty="0"/>
+              <a:t> &gt; p</a:t>
+            </a:r>
+            <a:r>
+              <a:rPr lang="en-US" altLang="ko-KR" baseline="-25000" dirty="0"/>
+              <a:t>3</a:t>
+            </a:r>
+            <a:r>
+              <a:rPr lang="en-US" altLang="ko-KR" dirty="0"/>
+              <a:t> &gt; p</a:t>
+            </a:r>
+            <a:r>
+              <a:rPr lang="en-US" altLang="ko-KR" baseline="-25000" dirty="0"/>
+              <a:t>4</a:t>
+            </a:r>
+            <a:endParaRPr lang="en-KR" dirty="0"/>
+          </a:p>
+          <a:p>
+            <a:pPr lvl="1"/>
+            <a:r>
+              <a:rPr lang="ko-KR" altLang="en-US" dirty="0"/>
+              <a:t>확률을 통해 보다 적절한 문장을 판단</a:t>
+            </a:r>
+            <a:endParaRPr lang="en-KR" dirty="0"/>
+          </a:p>
+          <a:p>
+            <a:pPr lvl="1"/>
+            <a:endParaRPr lang="en-US" altLang="ko-KR" dirty="0"/>
+          </a:p>
+          <a:p>
+            <a:pPr lvl="1"/>
+            <a:endParaRPr lang="en-US" altLang="ko-KR" dirty="0"/>
+          </a:p>
+          <a:p>
+            <a:pPr lvl="1"/>
+            <a:endParaRPr lang="en-US" altLang="ko-KR" dirty="0"/>
+          </a:p>
+          <a:p>
+            <a:pPr lvl="1"/>
+            <a:r>
+              <a:rPr lang="ko-KR" altLang="en-US" dirty="0"/>
+              <a:t>기계가 자연스러운 문장을 만들어내도록 하는 것이 언어 모델의 일</a:t>
+            </a:r>
+            <a:endParaRPr lang="en-KR" dirty="0"/>
+          </a:p>
+        </p:txBody>
+      </p:sp>
+      <p:sp>
+        <p:nvSpPr>
+          <p:cNvPr id="4" name="TextBox 3">
+            <a:extLst>
+              <a:ext uri="{FF2B5EF4-FFF2-40B4-BE49-F238E27FC236}">
+                <a16:creationId xmlns:a16="http://schemas.microsoft.com/office/drawing/2014/main" id="{F3853C6F-5899-E243-8C64-1AF22F045B7C}"/>
+              </a:ext>
+            </a:extLst>
+          </p:cNvPr>
+          <p:cNvSpPr txBox="1"/>
+          <p:nvPr/>
+        </p:nvSpPr>
+        <p:spPr>
+          <a:xfrm>
+            <a:off x="7486651" y="3056731"/>
+            <a:ext cx="3486149" cy="1323439"/>
+          </a:xfrm>
+          <a:prstGeom prst="rect">
+            <a:avLst/>
+          </a:prstGeom>
+          <a:noFill/>
+        </p:spPr>
+        <p:txBody>
+          <a:bodyPr wrap="square" rtlCol="0">
+            <a:spAutoFit/>
+          </a:bodyPr>
+          <a:lstStyle/>
+          <a:p>
+            <a:r>
+              <a:rPr lang="en-US" sz="2000" dirty="0">
+                <a:solidFill>
+                  <a:srgbClr val="FF0000"/>
+                </a:solidFill>
+              </a:rPr>
+              <a:t>P</a:t>
+            </a:r>
+            <a:r>
+              <a:rPr lang="en-US" sz="2000" baseline="-25000" dirty="0">
+                <a:solidFill>
+                  <a:srgbClr val="FF0000"/>
+                </a:solidFill>
+              </a:rPr>
+              <a:t>1</a:t>
+            </a:r>
+            <a:r>
+              <a:rPr lang="en-US" sz="2000" dirty="0">
+                <a:solidFill>
+                  <a:srgbClr val="FF0000"/>
+                </a:solidFill>
+              </a:rPr>
+              <a:t> = P(”a quick brown dog”)</a:t>
+            </a:r>
+          </a:p>
+          <a:p>
+            <a:r>
+              <a:rPr lang="en-US" sz="2000" dirty="0">
+                <a:solidFill>
+                  <a:srgbClr val="FF0000"/>
+                </a:solidFill>
+              </a:rPr>
+              <a:t>P</a:t>
+            </a:r>
+            <a:r>
+              <a:rPr lang="en-US" sz="2000" baseline="-25000" dirty="0">
+                <a:solidFill>
+                  <a:srgbClr val="FF0000"/>
+                </a:solidFill>
+              </a:rPr>
+              <a:t>2</a:t>
+            </a:r>
+            <a:r>
+              <a:rPr lang="en-US" sz="2000" dirty="0">
+                <a:solidFill>
+                  <a:srgbClr val="FF0000"/>
+                </a:solidFill>
+              </a:rPr>
+              <a:t> = P(“dog quick a brown”)</a:t>
+            </a:r>
+          </a:p>
+          <a:p>
+            <a:r>
+              <a:rPr lang="en-US" sz="2000" dirty="0">
+                <a:solidFill>
+                  <a:srgbClr val="FF0000"/>
+                </a:solidFill>
+              </a:rPr>
+              <a:t>P</a:t>
+            </a:r>
+            <a:r>
+              <a:rPr lang="en-US" sz="2000" baseline="-25000" dirty="0">
+                <a:solidFill>
+                  <a:srgbClr val="FF0000"/>
+                </a:solidFill>
+              </a:rPr>
+              <a:t>3</a:t>
+            </a:r>
+            <a:r>
+              <a:rPr lang="en-US" sz="2000" dirty="0">
+                <a:solidFill>
+                  <a:srgbClr val="FF0000"/>
+                </a:solidFill>
+              </a:rPr>
+              <a:t> = P(“un </a:t>
+            </a:r>
+            <a:r>
+              <a:rPr lang="en-US" sz="2000" dirty="0" err="1">
+                <a:solidFill>
+                  <a:srgbClr val="FF0000"/>
+                </a:solidFill>
+              </a:rPr>
+              <a:t>chien</a:t>
+            </a:r>
+            <a:r>
+              <a:rPr lang="en-US" sz="2000" dirty="0">
+                <a:solidFill>
+                  <a:srgbClr val="FF0000"/>
+                </a:solidFill>
+              </a:rPr>
+              <a:t> quick brown”)</a:t>
+            </a:r>
+          </a:p>
+          <a:p>
+            <a:r>
+              <a:rPr lang="en-US" sz="2000" dirty="0">
+                <a:solidFill>
+                  <a:srgbClr val="FF0000"/>
+                </a:solidFill>
+              </a:rPr>
+              <a:t>P</a:t>
+            </a:r>
+            <a:r>
+              <a:rPr lang="en-US" sz="2000" baseline="-25000" dirty="0">
+                <a:solidFill>
+                  <a:srgbClr val="FF0000"/>
+                </a:solidFill>
+              </a:rPr>
+              <a:t>4</a:t>
+            </a:r>
+            <a:r>
+              <a:rPr lang="en-US" sz="2000" dirty="0">
+                <a:solidFill>
+                  <a:srgbClr val="FF0000"/>
+                </a:solidFill>
+              </a:rPr>
+              <a:t> = P(“un </a:t>
+            </a:r>
+            <a:r>
+              <a:rPr lang="en-US" sz="2000" dirty="0" err="1">
+                <a:solidFill>
+                  <a:srgbClr val="FF0000"/>
+                </a:solidFill>
+              </a:rPr>
+              <a:t>chien</a:t>
+            </a:r>
+            <a:r>
+              <a:rPr lang="en-US" sz="2000" dirty="0">
+                <a:solidFill>
+                  <a:srgbClr val="FF0000"/>
+                </a:solidFill>
+              </a:rPr>
+              <a:t> </a:t>
+            </a:r>
+            <a:r>
+              <a:rPr lang="en-US" sz="2000" dirty="0" err="1">
+                <a:solidFill>
+                  <a:srgbClr val="FF0000"/>
+                </a:solidFill>
+              </a:rPr>
+              <a:t>brun</a:t>
+            </a:r>
+            <a:r>
+              <a:rPr lang="en-US" sz="2000" dirty="0">
+                <a:solidFill>
+                  <a:srgbClr val="FF0000"/>
+                </a:solidFill>
+              </a:rPr>
+              <a:t> </a:t>
+            </a:r>
+            <a:r>
+              <a:rPr lang="en-US" sz="2000" dirty="0" err="1">
+                <a:solidFill>
+                  <a:srgbClr val="FF0000"/>
+                </a:solidFill>
+              </a:rPr>
+              <a:t>rapide</a:t>
+            </a:r>
+            <a:r>
+              <a:rPr lang="en-US" sz="2000" dirty="0">
+                <a:solidFill>
+                  <a:srgbClr val="FF0000"/>
+                </a:solidFill>
+              </a:rPr>
+              <a:t>”)</a:t>
+            </a:r>
+            <a:endParaRPr lang="en-KR" sz="2000" dirty="0">
+              <a:solidFill>
+                <a:srgbClr val="FF0000"/>
+              </a:solidFill>
+            </a:endParaRPr>
+          </a:p>
+        </p:txBody>
+      </p:sp>
+    </p:spTree>
+    <p:extLst>
+      <p:ext uri="{BB962C8B-B14F-4D97-AF65-F5344CB8AC3E}">
+        <p14:creationId xmlns:p14="http://schemas.microsoft.com/office/powerpoint/2010/main" val="1111720366"/>
+      </p:ext>
+    </p:extLst>
+  </p:cSld>
+  <p:clrMapOvr>
+    <a:masterClrMapping/>
+  </p:clrMapOvr>
+</p:sld>
+</file>
+
+<file path=ppt/slides/slide20.xml><?xml version="1.0" encoding="utf-8"?>
 <p:sld xmlns:a="http://schemas.openxmlformats.org/drawingml/2006/main" xmlns:r="http://schemas.openxmlformats.org/officeDocument/2006/relationships" xmlns:p="http://schemas.openxmlformats.org/presentationml/2006/main">
   <p:cSld>
     <p:spTree>
@@ -7621,7 +8322,7 @@
 </p:sld>
 </file>
 
-<file path=ppt/slides/slide19.xml><?xml version="1.0" encoding="utf-8"?>
+<file path=ppt/slides/slide21.xml><?xml version="1.0" encoding="utf-8"?>
 <p:sld xmlns:a="http://schemas.openxmlformats.org/drawingml/2006/main" xmlns:r="http://schemas.openxmlformats.org/officeDocument/2006/relationships" xmlns:p="http://schemas.openxmlformats.org/presentationml/2006/main">
   <p:cSld>
     <p:spTree>
@@ -7960,377 +8661,7 @@
 </p:sld>
 </file>
 
-<file path=ppt/slides/slide2.xml><?xml version="1.0" encoding="utf-8"?>
-<p:sld xmlns:a="http://schemas.openxmlformats.org/drawingml/2006/main" xmlns:r="http://schemas.openxmlformats.org/officeDocument/2006/relationships" xmlns:p="http://schemas.openxmlformats.org/presentationml/2006/main">
-  <p:cSld>
-    <p:spTree>
-      <p:nvGrpSpPr>
-        <p:cNvPr id="1" name=""/>
-        <p:cNvGrpSpPr/>
-        <p:nvPr/>
-      </p:nvGrpSpPr>
-      <p:grpSpPr>
-        <a:xfrm>
-          <a:off x="0" y="0"/>
-          <a:ext cx="0" cy="0"/>
-          <a:chOff x="0" y="0"/>
-          <a:chExt cx="0" cy="0"/>
-        </a:xfrm>
-      </p:grpSpPr>
-      <p:sp>
-        <p:nvSpPr>
-          <p:cNvPr id="2" name="Title 1">
-            <a:extLst>
-              <a:ext uri="{FF2B5EF4-FFF2-40B4-BE49-F238E27FC236}">
-                <a16:creationId xmlns:a16="http://schemas.microsoft.com/office/drawing/2014/main" id="{995B1892-DC1E-8D4A-8983-1D4DA7145E4E}"/>
-              </a:ext>
-            </a:extLst>
-          </p:cNvPr>
-          <p:cNvSpPr>
-            <a:spLocks noGrp="1"/>
-          </p:cNvSpPr>
-          <p:nvPr>
-            <p:ph type="title"/>
-          </p:nvPr>
-        </p:nvSpPr>
-        <p:spPr/>
-        <p:txBody>
-          <a:bodyPr/>
-          <a:lstStyle/>
-          <a:p>
-            <a:r>
-              <a:rPr lang="ko-KR" altLang="en-US" dirty="0"/>
-              <a:t>언어 모델이란</a:t>
-            </a:r>
-            <a:r>
-              <a:rPr lang="en-US" altLang="ko-KR" dirty="0"/>
-              <a:t>?</a:t>
-            </a:r>
-            <a:endParaRPr lang="en-KR" dirty="0"/>
-          </a:p>
-        </p:txBody>
-      </p:sp>
-      <p:sp>
-        <p:nvSpPr>
-          <p:cNvPr id="3" name="Content Placeholder 2">
-            <a:extLst>
-              <a:ext uri="{FF2B5EF4-FFF2-40B4-BE49-F238E27FC236}">
-                <a16:creationId xmlns:a16="http://schemas.microsoft.com/office/drawing/2014/main" id="{85C56D08-7853-0045-9373-CCD8368B26A5}"/>
-              </a:ext>
-            </a:extLst>
-          </p:cNvPr>
-          <p:cNvSpPr>
-            <a:spLocks noGrp="1"/>
-          </p:cNvSpPr>
-          <p:nvPr>
-            <p:ph idx="1"/>
-          </p:nvPr>
-        </p:nvSpPr>
-        <p:spPr/>
-        <p:txBody>
-          <a:bodyPr/>
-          <a:lstStyle/>
-          <a:p>
-            <a:r>
-              <a:rPr lang="ko-KR" altLang="en-US" dirty="0"/>
-              <a:t>단어 시퀀스에 확률을 할당하는 모델</a:t>
-            </a:r>
-            <a:endParaRPr lang="en-US" altLang="ko-KR" dirty="0"/>
-          </a:p>
-          <a:p>
-            <a:pPr lvl="1"/>
-            <a:r>
-              <a:rPr lang="ko-KR" altLang="en-US" dirty="0"/>
-              <a:t>언어라는 현상을 모델링하고자 단어 시퀀스에 확률을 할당하는 모델</a:t>
-            </a:r>
-            <a:endParaRPr lang="en-US" altLang="ko-KR" dirty="0"/>
-          </a:p>
-          <a:p>
-            <a:pPr lvl="1"/>
-            <a:r>
-              <a:rPr lang="ko-KR" altLang="en-US" dirty="0"/>
-              <a:t>영어</a:t>
-            </a:r>
-            <a:r>
-              <a:rPr lang="en-US" altLang="ko-KR" dirty="0"/>
-              <a:t> : p</a:t>
-            </a:r>
-            <a:r>
-              <a:rPr lang="en-US" altLang="ko-KR" baseline="-25000" dirty="0"/>
-              <a:t>1</a:t>
-            </a:r>
-            <a:r>
-              <a:rPr lang="en-US" altLang="ko-KR" dirty="0"/>
-              <a:t> &gt; p</a:t>
-            </a:r>
-            <a:r>
-              <a:rPr lang="en-US" altLang="ko-KR" baseline="-25000" dirty="0"/>
-              <a:t>2</a:t>
-            </a:r>
-            <a:r>
-              <a:rPr lang="en-US" altLang="ko-KR" dirty="0"/>
-              <a:t> &gt; p</a:t>
-            </a:r>
-            <a:r>
-              <a:rPr lang="en-US" altLang="ko-KR" baseline="-25000" dirty="0"/>
-              <a:t>3</a:t>
-            </a:r>
-            <a:r>
-              <a:rPr lang="en-US" altLang="ko-KR" dirty="0"/>
-              <a:t> &gt; p</a:t>
-            </a:r>
-            <a:r>
-              <a:rPr lang="en-US" altLang="ko-KR" baseline="-25000" dirty="0"/>
-              <a:t>4</a:t>
-            </a:r>
-            <a:endParaRPr lang="en-KR" dirty="0"/>
-          </a:p>
-          <a:p>
-            <a:pPr lvl="1"/>
-            <a:r>
-              <a:rPr lang="ko-KR" altLang="en-US" dirty="0"/>
-              <a:t>확률을 통해 보다 적절한 문장을 판단</a:t>
-            </a:r>
-            <a:endParaRPr lang="en-KR" dirty="0"/>
-          </a:p>
-          <a:p>
-            <a:pPr lvl="1"/>
-            <a:endParaRPr lang="en-US" altLang="ko-KR" dirty="0"/>
-          </a:p>
-          <a:p>
-            <a:pPr lvl="1"/>
-            <a:endParaRPr lang="en-US" altLang="ko-KR" dirty="0"/>
-          </a:p>
-          <a:p>
-            <a:pPr lvl="1"/>
-            <a:endParaRPr lang="en-US" altLang="ko-KR" dirty="0"/>
-          </a:p>
-          <a:p>
-            <a:pPr lvl="1"/>
-            <a:r>
-              <a:rPr lang="ko-KR" altLang="en-US" dirty="0"/>
-              <a:t>기계가 자연스러운 문장을 만들어내도록 하는 것이 언어 모델의 일</a:t>
-            </a:r>
-            <a:endParaRPr lang="en-KR" dirty="0"/>
-          </a:p>
-        </p:txBody>
-      </p:sp>
-      <p:sp>
-        <p:nvSpPr>
-          <p:cNvPr id="4" name="TextBox 3">
-            <a:extLst>
-              <a:ext uri="{FF2B5EF4-FFF2-40B4-BE49-F238E27FC236}">
-                <a16:creationId xmlns:a16="http://schemas.microsoft.com/office/drawing/2014/main" id="{F3853C6F-5899-E243-8C64-1AF22F045B7C}"/>
-              </a:ext>
-            </a:extLst>
-          </p:cNvPr>
-          <p:cNvSpPr txBox="1"/>
-          <p:nvPr/>
-        </p:nvSpPr>
-        <p:spPr>
-          <a:xfrm>
-            <a:off x="7486651" y="3056731"/>
-            <a:ext cx="3486149" cy="1323439"/>
-          </a:xfrm>
-          <a:prstGeom prst="rect">
-            <a:avLst/>
-          </a:prstGeom>
-          <a:noFill/>
-        </p:spPr>
-        <p:txBody>
-          <a:bodyPr wrap="square" rtlCol="0">
-            <a:spAutoFit/>
-          </a:bodyPr>
-          <a:lstStyle/>
-          <a:p>
-            <a:r>
-              <a:rPr lang="en-US" sz="2000" dirty="0">
-                <a:solidFill>
-                  <a:srgbClr val="FF0000"/>
-                </a:solidFill>
-              </a:rPr>
-              <a:t>P</a:t>
-            </a:r>
-            <a:r>
-              <a:rPr lang="en-US" sz="2000" baseline="-25000" dirty="0">
-                <a:solidFill>
-                  <a:srgbClr val="FF0000"/>
-                </a:solidFill>
-              </a:rPr>
-              <a:t>1</a:t>
-            </a:r>
-            <a:r>
-              <a:rPr lang="en-US" sz="2000" dirty="0">
-                <a:solidFill>
-                  <a:srgbClr val="FF0000"/>
-                </a:solidFill>
-              </a:rPr>
-              <a:t> = P(”a quick brown dog”)</a:t>
-            </a:r>
-          </a:p>
-          <a:p>
-            <a:r>
-              <a:rPr lang="en-US" sz="2000" dirty="0">
-                <a:solidFill>
-                  <a:srgbClr val="FF0000"/>
-                </a:solidFill>
-              </a:rPr>
-              <a:t>P</a:t>
-            </a:r>
-            <a:r>
-              <a:rPr lang="en-US" sz="2000" baseline="-25000" dirty="0">
-                <a:solidFill>
-                  <a:srgbClr val="FF0000"/>
-                </a:solidFill>
-              </a:rPr>
-              <a:t>2</a:t>
-            </a:r>
-            <a:r>
-              <a:rPr lang="en-US" sz="2000" dirty="0">
-                <a:solidFill>
-                  <a:srgbClr val="FF0000"/>
-                </a:solidFill>
-              </a:rPr>
-              <a:t> = P(“dog quick a brown”)</a:t>
-            </a:r>
-          </a:p>
-          <a:p>
-            <a:r>
-              <a:rPr lang="en-US" sz="2000" dirty="0">
-                <a:solidFill>
-                  <a:srgbClr val="FF0000"/>
-                </a:solidFill>
-              </a:rPr>
-              <a:t>P</a:t>
-            </a:r>
-            <a:r>
-              <a:rPr lang="en-US" sz="2000" baseline="-25000" dirty="0">
-                <a:solidFill>
-                  <a:srgbClr val="FF0000"/>
-                </a:solidFill>
-              </a:rPr>
-              <a:t>3</a:t>
-            </a:r>
-            <a:r>
-              <a:rPr lang="en-US" sz="2000" dirty="0">
-                <a:solidFill>
-                  <a:srgbClr val="FF0000"/>
-                </a:solidFill>
-              </a:rPr>
-              <a:t> = P(“un </a:t>
-            </a:r>
-            <a:r>
-              <a:rPr lang="en-US" sz="2000" dirty="0" err="1">
-                <a:solidFill>
-                  <a:srgbClr val="FF0000"/>
-                </a:solidFill>
-              </a:rPr>
-              <a:t>chien</a:t>
-            </a:r>
-            <a:r>
-              <a:rPr lang="en-US" sz="2000" dirty="0">
-                <a:solidFill>
-                  <a:srgbClr val="FF0000"/>
-                </a:solidFill>
-              </a:rPr>
-              <a:t> quick brown”)</a:t>
-            </a:r>
-          </a:p>
-          <a:p>
-            <a:r>
-              <a:rPr lang="en-US" sz="2000" dirty="0">
-                <a:solidFill>
-                  <a:srgbClr val="FF0000"/>
-                </a:solidFill>
-              </a:rPr>
-              <a:t>P</a:t>
-            </a:r>
-            <a:r>
-              <a:rPr lang="en-US" sz="2000" baseline="-25000" dirty="0">
-                <a:solidFill>
-                  <a:srgbClr val="FF0000"/>
-                </a:solidFill>
-              </a:rPr>
-              <a:t>4</a:t>
-            </a:r>
-            <a:r>
-              <a:rPr lang="en-US" sz="2000" dirty="0">
-                <a:solidFill>
-                  <a:srgbClr val="FF0000"/>
-                </a:solidFill>
-              </a:rPr>
-              <a:t> = P(“un </a:t>
-            </a:r>
-            <a:r>
-              <a:rPr lang="en-US" sz="2000" dirty="0" err="1">
-                <a:solidFill>
-                  <a:srgbClr val="FF0000"/>
-                </a:solidFill>
-              </a:rPr>
-              <a:t>chien</a:t>
-            </a:r>
-            <a:r>
-              <a:rPr lang="en-US" sz="2000" dirty="0">
-                <a:solidFill>
-                  <a:srgbClr val="FF0000"/>
-                </a:solidFill>
-              </a:rPr>
-              <a:t> </a:t>
-            </a:r>
-            <a:r>
-              <a:rPr lang="en-US" sz="2000" dirty="0" err="1">
-                <a:solidFill>
-                  <a:srgbClr val="FF0000"/>
-                </a:solidFill>
-              </a:rPr>
-              <a:t>brun</a:t>
-            </a:r>
-            <a:r>
-              <a:rPr lang="en-US" sz="2000" dirty="0">
-                <a:solidFill>
-                  <a:srgbClr val="FF0000"/>
-                </a:solidFill>
-              </a:rPr>
-              <a:t> </a:t>
-            </a:r>
-            <a:r>
-              <a:rPr lang="en-US" sz="2000" dirty="0" err="1">
-                <a:solidFill>
-                  <a:srgbClr val="FF0000"/>
-                </a:solidFill>
-              </a:rPr>
-              <a:t>rapide</a:t>
-            </a:r>
-            <a:r>
-              <a:rPr lang="en-US" sz="2000" dirty="0">
-                <a:solidFill>
-                  <a:srgbClr val="FF0000"/>
-                </a:solidFill>
-              </a:rPr>
-              <a:t>”)</a:t>
-            </a:r>
-            <a:endParaRPr lang="en-KR" sz="2000" dirty="0">
-              <a:solidFill>
-                <a:srgbClr val="FF0000"/>
-              </a:solidFill>
-            </a:endParaRPr>
-          </a:p>
-        </p:txBody>
-      </p:sp>
-    </p:spTree>
-    <p:extLst>
-      <p:ext uri="{BB962C8B-B14F-4D97-AF65-F5344CB8AC3E}">
-        <p14:creationId xmlns:p14="http://schemas.microsoft.com/office/powerpoint/2010/main" val="1111720366"/>
-      </p:ext>
-    </p:extLst>
-  </p:cSld>
-  <p:clrMapOvr>
-    <a:masterClrMapping/>
-  </p:clrMapOvr>
-</p:sld>
-</file>
-
-<file path=ppt/slides/slide20.xml><?xml version="1.0" encoding="utf-8"?>
+<file path=ppt/slides/slide22.xml><?xml version="1.0" encoding="utf-8"?>
 <p:sld xmlns:a="http://schemas.openxmlformats.org/drawingml/2006/main" xmlns:r="http://schemas.openxmlformats.org/officeDocument/2006/relationships" xmlns:p="http://schemas.openxmlformats.org/presentationml/2006/main">
   <p:cSld>
     <p:spTree>
@@ -8603,7 +8934,7 @@
 </p:sld>
 </file>
 
-<file path=ppt/slides/slide21.xml><?xml version="1.0" encoding="utf-8"?>
+<file path=ppt/slides/slide23.xml><?xml version="1.0" encoding="utf-8"?>
 <p:sld xmlns:a="http://schemas.openxmlformats.org/drawingml/2006/main" xmlns:r="http://schemas.openxmlformats.org/officeDocument/2006/relationships" xmlns:p="http://schemas.openxmlformats.org/presentationml/2006/main">
   <p:cSld>
     <p:spTree>
@@ -8765,7 +9096,7 @@
 </p:sld>
 </file>
 
-<file path=ppt/slides/slide22.xml><?xml version="1.0" encoding="utf-8"?>
+<file path=ppt/slides/slide24.xml><?xml version="1.0" encoding="utf-8"?>
 <p:sld xmlns:a="http://schemas.openxmlformats.org/drawingml/2006/main" xmlns:r="http://schemas.openxmlformats.org/officeDocument/2006/relationships" xmlns:p="http://schemas.openxmlformats.org/presentationml/2006/main">
   <p:cSld>
     <p:spTree>
@@ -8784,6 +9115,70 @@
       </p:grpSpPr>
       <p:sp>
         <p:nvSpPr>
+          <p:cNvPr id="2" name="제목 1">
+            <a:extLst>
+              <a:ext uri="{FF2B5EF4-FFF2-40B4-BE49-F238E27FC236}">
+                <a16:creationId xmlns:a16="http://schemas.microsoft.com/office/drawing/2014/main" id="{3BFCE6E1-31B7-4A2C-87C6-4617F480BD34}"/>
+              </a:ext>
+            </a:extLst>
+          </p:cNvPr>
+          <p:cNvSpPr>
+            <a:spLocks noGrp="1"/>
+          </p:cNvSpPr>
+          <p:nvPr>
+            <p:ph type="title"/>
+          </p:nvPr>
+        </p:nvSpPr>
+        <p:spPr>
+          <a:xfrm>
+            <a:off x="3467100" y="2766218"/>
+            <a:ext cx="5257800" cy="1325563"/>
+          </a:xfrm>
+        </p:spPr>
+        <p:txBody>
+          <a:bodyPr/>
+          <a:lstStyle/>
+          <a:p>
+            <a:r>
+              <a:rPr lang="en-KR" altLang="ko-KR" dirty="0"/>
+              <a:t>Machine Translation</a:t>
+            </a:r>
+            <a:endParaRPr lang="ko-KR" altLang="en-US"/>
+          </a:p>
+        </p:txBody>
+      </p:sp>
+    </p:spTree>
+    <p:extLst>
+      <p:ext uri="{BB962C8B-B14F-4D97-AF65-F5344CB8AC3E}">
+        <p14:creationId xmlns:p14="http://schemas.microsoft.com/office/powerpoint/2010/main" val="3622503905"/>
+      </p:ext>
+    </p:extLst>
+  </p:cSld>
+  <p:clrMapOvr>
+    <a:masterClrMapping/>
+  </p:clrMapOvr>
+</p:sld>
+</file>
+
+<file path=ppt/slides/slide25.xml><?xml version="1.0" encoding="utf-8"?>
+<p:sld xmlns:a="http://schemas.openxmlformats.org/drawingml/2006/main" xmlns:r="http://schemas.openxmlformats.org/officeDocument/2006/relationships" xmlns:p="http://schemas.openxmlformats.org/presentationml/2006/main">
+  <p:cSld>
+    <p:spTree>
+      <p:nvGrpSpPr>
+        <p:cNvPr id="1" name=""/>
+        <p:cNvGrpSpPr/>
+        <p:nvPr/>
+      </p:nvGrpSpPr>
+      <p:grpSpPr>
+        <a:xfrm>
+          <a:off x="0" y="0"/>
+          <a:ext cx="0" cy="0"/>
+          <a:chOff x="0" y="0"/>
+          <a:chExt cx="0" cy="0"/>
+        </a:xfrm>
+      </p:grpSpPr>
+      <p:sp>
+        <p:nvSpPr>
           <p:cNvPr id="2" name="Title 1">
             <a:extLst>
               <a:ext uri="{FF2B5EF4-FFF2-40B4-BE49-F238E27FC236}">
@@ -8922,7 +9317,7 @@
 </p:sld>
 </file>
 
-<file path=ppt/slides/slide23.xml><?xml version="1.0" encoding="utf-8"?>
+<file path=ppt/slides/slide26.xml><?xml version="1.0" encoding="utf-8"?>
 <p:sld xmlns:a="http://schemas.openxmlformats.org/drawingml/2006/main" xmlns:r="http://schemas.openxmlformats.org/officeDocument/2006/relationships" xmlns:p="http://schemas.openxmlformats.org/presentationml/2006/main">
   <p:cSld>
     <p:spTree>
@@ -9122,7 +9517,7 @@
 </p:sld>
 </file>
 
-<file path=ppt/slides/slide24.xml><?xml version="1.0" encoding="utf-8"?>
+<file path=ppt/slides/slide27.xml><?xml version="1.0" encoding="utf-8"?>
 <p:sld xmlns:a="http://schemas.openxmlformats.org/drawingml/2006/main" xmlns:r="http://schemas.openxmlformats.org/officeDocument/2006/relationships" xmlns:p="http://schemas.openxmlformats.org/presentationml/2006/main">
   <p:cSld>
     <p:spTree>
@@ -9504,7 +9899,7 @@
 </p:sld>
 </file>
 
-<file path=ppt/slides/slide25.xml><?xml version="1.0" encoding="utf-8"?>
+<file path=ppt/slides/slide28.xml><?xml version="1.0" encoding="utf-8"?>
 <p:sld xmlns:a="http://schemas.openxmlformats.org/drawingml/2006/main" xmlns:r="http://schemas.openxmlformats.org/officeDocument/2006/relationships" xmlns:p="http://schemas.openxmlformats.org/presentationml/2006/main">
   <p:cSld>
     <p:spTree>
@@ -9849,7 +10244,7 @@
 </p:sld>
 </file>
 
-<file path=ppt/slides/slide26.xml><?xml version="1.0" encoding="utf-8"?>
+<file path=ppt/slides/slide29.xml><?xml version="1.0" encoding="utf-8"?>
 <p:sld xmlns:a="http://schemas.openxmlformats.org/drawingml/2006/main" xmlns:r="http://schemas.openxmlformats.org/officeDocument/2006/relationships" xmlns:p="http://schemas.openxmlformats.org/presentationml/2006/main">
   <p:cSld>
     <p:spTree>
@@ -9978,7 +10373,178 @@
 </p:sld>
 </file>
 
-<file path=ppt/slides/slide27.xml><?xml version="1.0" encoding="utf-8"?>
+<file path=ppt/slides/slide3.xml><?xml version="1.0" encoding="utf-8"?>
+<p:sld xmlns:a="http://schemas.openxmlformats.org/drawingml/2006/main" xmlns:r="http://schemas.openxmlformats.org/officeDocument/2006/relationships" xmlns:p="http://schemas.openxmlformats.org/presentationml/2006/main">
+  <p:cSld>
+    <p:spTree>
+      <p:nvGrpSpPr>
+        <p:cNvPr id="1" name=""/>
+        <p:cNvGrpSpPr/>
+        <p:nvPr/>
+      </p:nvGrpSpPr>
+      <p:grpSpPr>
+        <a:xfrm>
+          <a:off x="0" y="0"/>
+          <a:ext cx="0" cy="0"/>
+          <a:chOff x="0" y="0"/>
+          <a:chExt cx="0" cy="0"/>
+        </a:xfrm>
+      </p:grpSpPr>
+      <p:sp>
+        <p:nvSpPr>
+          <p:cNvPr id="2" name="Title 1">
+            <a:extLst>
+              <a:ext uri="{FF2B5EF4-FFF2-40B4-BE49-F238E27FC236}">
+                <a16:creationId xmlns:a16="http://schemas.microsoft.com/office/drawing/2014/main" id="{3562C492-20AC-BA41-9B02-7E9DFF284725}"/>
+              </a:ext>
+            </a:extLst>
+          </p:cNvPr>
+          <p:cNvSpPr>
+            <a:spLocks noGrp="1"/>
+          </p:cNvSpPr>
+          <p:nvPr>
+            <p:ph type="title"/>
+          </p:nvPr>
+        </p:nvSpPr>
+        <p:spPr/>
+        <p:txBody>
+          <a:bodyPr/>
+          <a:lstStyle/>
+          <a:p>
+            <a:r>
+              <a:rPr lang="ko-KR" altLang="en-US" dirty="0"/>
+              <a:t>언어 모델의 종류</a:t>
+            </a:r>
+            <a:endParaRPr lang="en-KR" dirty="0"/>
+          </a:p>
+        </p:txBody>
+      </p:sp>
+      <p:sp>
+        <p:nvSpPr>
+          <p:cNvPr id="3" name="Content Placeholder 2">
+            <a:extLst>
+              <a:ext uri="{FF2B5EF4-FFF2-40B4-BE49-F238E27FC236}">
+                <a16:creationId xmlns:a16="http://schemas.microsoft.com/office/drawing/2014/main" id="{62167F5F-F162-5543-858F-009DDACC8B5A}"/>
+              </a:ext>
+            </a:extLst>
+          </p:cNvPr>
+          <p:cNvSpPr>
+            <a:spLocks noGrp="1"/>
+          </p:cNvSpPr>
+          <p:nvPr>
+            <p:ph idx="1"/>
+          </p:nvPr>
+        </p:nvSpPr>
+        <p:spPr/>
+        <p:txBody>
+          <a:bodyPr/>
+          <a:lstStyle/>
+          <a:p>
+            <a:pPr marL="514350" indent="-514350">
+              <a:buFont typeface="+mj-lt"/>
+              <a:buAutoNum type="arabicPeriod"/>
+            </a:pPr>
+            <a:r>
+              <a:rPr lang="ko-KR" altLang="en-US" sz="2400" dirty="0"/>
+              <a:t>통계적 언어 모델 </a:t>
+            </a:r>
+            <a:r>
+              <a:rPr lang="en-US" altLang="ko-KR" sz="2400" dirty="0"/>
+              <a:t>(Statistical Language Model, SLM)</a:t>
+            </a:r>
+          </a:p>
+          <a:p>
+            <a:pPr lvl="1"/>
+            <a:r>
+              <a:rPr lang="ko-KR" altLang="en-US" sz="2000" dirty="0"/>
+              <a:t>조건부 확률을 통해 다음 단어를 예측</a:t>
+            </a:r>
+            <a:endParaRPr lang="en-US" altLang="ko-KR" sz="2000" dirty="0"/>
+          </a:p>
+          <a:p>
+            <a:pPr lvl="1"/>
+            <a:r>
+              <a:rPr lang="en-US" sz="2000" dirty="0"/>
+              <a:t>n-gram </a:t>
+            </a:r>
+            <a:r>
+              <a:rPr lang="ko-KR" altLang="en-US" sz="2000" dirty="0"/>
+              <a:t>언어 모델 등</a:t>
+            </a:r>
+            <a:endParaRPr lang="en-US" sz="2000" dirty="0"/>
+          </a:p>
+          <a:p>
+            <a:pPr marL="514350" indent="-514350">
+              <a:buFont typeface="+mj-lt"/>
+              <a:buAutoNum type="arabicPeriod"/>
+            </a:pPr>
+            <a:endParaRPr lang="en-US" dirty="0"/>
+          </a:p>
+          <a:p>
+            <a:pPr marL="514350" indent="-514350">
+              <a:buFont typeface="+mj-lt"/>
+              <a:buAutoNum type="arabicPeriod"/>
+            </a:pPr>
+            <a:r>
+              <a:rPr lang="ko-KR" altLang="en-US" sz="2400" dirty="0" err="1"/>
+              <a:t>피드</a:t>
+            </a:r>
+            <a:r>
+              <a:rPr lang="ko-KR" altLang="en-US" sz="2400" dirty="0"/>
+              <a:t> 포워드 신경망 언어 모델 </a:t>
+            </a:r>
+            <a:r>
+              <a:rPr lang="en-US" altLang="ko-KR" sz="2400" dirty="0"/>
+              <a:t>(Neural Network Language Model, NNLM)</a:t>
+            </a:r>
+          </a:p>
+          <a:p>
+            <a:pPr lvl="1"/>
+            <a:r>
+              <a:rPr lang="ko-KR" altLang="en-US" sz="2000" dirty="0" err="1"/>
+              <a:t>뉴럴</a:t>
+            </a:r>
+            <a:r>
+              <a:rPr lang="ko-KR" altLang="en-US" sz="2000" dirty="0"/>
+              <a:t> 네트워크를 통해 다음 단어를 예측</a:t>
+            </a:r>
+            <a:endParaRPr lang="en-US" altLang="ko-KR" sz="2000" dirty="0"/>
+          </a:p>
+          <a:p>
+            <a:pPr lvl="1"/>
+            <a:r>
+              <a:rPr lang="en-US" altLang="ko-KR" sz="2000" dirty="0"/>
+              <a:t>RNNLM, LSTM-LM </a:t>
+            </a:r>
+            <a:r>
+              <a:rPr lang="ko-KR" altLang="en-US" sz="2000" dirty="0"/>
+              <a:t>등</a:t>
+            </a:r>
+            <a:endParaRPr lang="en-KR" sz="2000" dirty="0"/>
+          </a:p>
+          <a:p>
+            <a:pPr marL="514350" indent="-514350">
+              <a:buFont typeface="+mj-lt"/>
+              <a:buAutoNum type="arabicPeriod"/>
+            </a:pPr>
+            <a:endParaRPr lang="en-US" dirty="0"/>
+          </a:p>
+        </p:txBody>
+      </p:sp>
+    </p:spTree>
+    <p:extLst>
+      <p:ext uri="{BB962C8B-B14F-4D97-AF65-F5344CB8AC3E}">
+        <p14:creationId xmlns:p14="http://schemas.microsoft.com/office/powerpoint/2010/main" val="3045417673"/>
+      </p:ext>
+    </p:extLst>
+  </p:cSld>
+  <p:clrMapOvr>
+    <a:masterClrMapping/>
+  </p:clrMapOvr>
+</p:sld>
+</file>
+
+<file path=ppt/slides/slide30.xml><?xml version="1.0" encoding="utf-8"?>
 <p:sld xmlns:a="http://schemas.openxmlformats.org/drawingml/2006/main" xmlns:r="http://schemas.openxmlformats.org/officeDocument/2006/relationships" xmlns:p="http://schemas.openxmlformats.org/presentationml/2006/main">
   <p:cSld>
     <p:spTree>
@@ -10177,7 +10743,7 @@
 </p:sld>
 </file>
 
-<file path=ppt/slides/slide28.xml><?xml version="1.0" encoding="utf-8"?>
+<file path=ppt/slides/slide31.xml><?xml version="1.0" encoding="utf-8"?>
 <p:sld xmlns:a="http://schemas.openxmlformats.org/drawingml/2006/main" xmlns:r="http://schemas.openxmlformats.org/officeDocument/2006/relationships" xmlns:p="http://schemas.openxmlformats.org/presentationml/2006/main">
   <p:cSld>
     <p:spTree>
@@ -10482,7 +11048,7 @@
 </p:sld>
 </file>
 
-<file path=ppt/slides/slide29.xml><?xml version="1.0" encoding="utf-8"?>
+<file path=ppt/slides/slide32.xml><?xml version="1.0" encoding="utf-8"?>
 <p:sld xmlns:a="http://schemas.openxmlformats.org/drawingml/2006/main" xmlns:r="http://schemas.openxmlformats.org/officeDocument/2006/relationships" xmlns:p="http://schemas.openxmlformats.org/presentationml/2006/main">
   <p:cSld>
     <p:spTree>
@@ -10704,178 +11270,7 @@
 </p:sld>
 </file>
 
-<file path=ppt/slides/slide3.xml><?xml version="1.0" encoding="utf-8"?>
-<p:sld xmlns:a="http://schemas.openxmlformats.org/drawingml/2006/main" xmlns:r="http://schemas.openxmlformats.org/officeDocument/2006/relationships" xmlns:p="http://schemas.openxmlformats.org/presentationml/2006/main">
-  <p:cSld>
-    <p:spTree>
-      <p:nvGrpSpPr>
-        <p:cNvPr id="1" name=""/>
-        <p:cNvGrpSpPr/>
-        <p:nvPr/>
-      </p:nvGrpSpPr>
-      <p:grpSpPr>
-        <a:xfrm>
-          <a:off x="0" y="0"/>
-          <a:ext cx="0" cy="0"/>
-          <a:chOff x="0" y="0"/>
-          <a:chExt cx="0" cy="0"/>
-        </a:xfrm>
-      </p:grpSpPr>
-      <p:sp>
-        <p:nvSpPr>
-          <p:cNvPr id="2" name="Title 1">
-            <a:extLst>
-              <a:ext uri="{FF2B5EF4-FFF2-40B4-BE49-F238E27FC236}">
-                <a16:creationId xmlns:a16="http://schemas.microsoft.com/office/drawing/2014/main" id="{3562C492-20AC-BA41-9B02-7E9DFF284725}"/>
-              </a:ext>
-            </a:extLst>
-          </p:cNvPr>
-          <p:cNvSpPr>
-            <a:spLocks noGrp="1"/>
-          </p:cNvSpPr>
-          <p:nvPr>
-            <p:ph type="title"/>
-          </p:nvPr>
-        </p:nvSpPr>
-        <p:spPr/>
-        <p:txBody>
-          <a:bodyPr/>
-          <a:lstStyle/>
-          <a:p>
-            <a:r>
-              <a:rPr lang="ko-KR" altLang="en-US" dirty="0"/>
-              <a:t>언어 모델의 종류</a:t>
-            </a:r>
-            <a:endParaRPr lang="en-KR" dirty="0"/>
-          </a:p>
-        </p:txBody>
-      </p:sp>
-      <p:sp>
-        <p:nvSpPr>
-          <p:cNvPr id="3" name="Content Placeholder 2">
-            <a:extLst>
-              <a:ext uri="{FF2B5EF4-FFF2-40B4-BE49-F238E27FC236}">
-                <a16:creationId xmlns:a16="http://schemas.microsoft.com/office/drawing/2014/main" id="{62167F5F-F162-5543-858F-009DDACC8B5A}"/>
-              </a:ext>
-            </a:extLst>
-          </p:cNvPr>
-          <p:cNvSpPr>
-            <a:spLocks noGrp="1"/>
-          </p:cNvSpPr>
-          <p:nvPr>
-            <p:ph idx="1"/>
-          </p:nvPr>
-        </p:nvSpPr>
-        <p:spPr/>
-        <p:txBody>
-          <a:bodyPr/>
-          <a:lstStyle/>
-          <a:p>
-            <a:pPr marL="514350" indent="-514350">
-              <a:buFont typeface="+mj-lt"/>
-              <a:buAutoNum type="arabicPeriod"/>
-            </a:pPr>
-            <a:r>
-              <a:rPr lang="ko-KR" altLang="en-US" sz="2400" dirty="0"/>
-              <a:t>통계적 언어 모델 </a:t>
-            </a:r>
-            <a:r>
-              <a:rPr lang="en-US" altLang="ko-KR" sz="2400" dirty="0"/>
-              <a:t>(Statistical Language Model, SLM)</a:t>
-            </a:r>
-          </a:p>
-          <a:p>
-            <a:pPr lvl="1"/>
-            <a:r>
-              <a:rPr lang="ko-KR" altLang="en-US" sz="2000" dirty="0"/>
-              <a:t>조건부 확률을 통해 다음 단어를 예측</a:t>
-            </a:r>
-            <a:endParaRPr lang="en-US" altLang="ko-KR" sz="2000" dirty="0"/>
-          </a:p>
-          <a:p>
-            <a:pPr lvl="1"/>
-            <a:r>
-              <a:rPr lang="en-US" sz="2000" dirty="0"/>
-              <a:t>n-gram </a:t>
-            </a:r>
-            <a:r>
-              <a:rPr lang="ko-KR" altLang="en-US" sz="2000" dirty="0"/>
-              <a:t>언어 모델 등</a:t>
-            </a:r>
-            <a:endParaRPr lang="en-US" sz="2000" dirty="0"/>
-          </a:p>
-          <a:p>
-            <a:pPr marL="514350" indent="-514350">
-              <a:buFont typeface="+mj-lt"/>
-              <a:buAutoNum type="arabicPeriod"/>
-            </a:pPr>
-            <a:endParaRPr lang="en-US" dirty="0"/>
-          </a:p>
-          <a:p>
-            <a:pPr marL="514350" indent="-514350">
-              <a:buFont typeface="+mj-lt"/>
-              <a:buAutoNum type="arabicPeriod"/>
-            </a:pPr>
-            <a:r>
-              <a:rPr lang="ko-KR" altLang="en-US" sz="2400" dirty="0" err="1"/>
-              <a:t>피드</a:t>
-            </a:r>
-            <a:r>
-              <a:rPr lang="ko-KR" altLang="en-US" sz="2400" dirty="0"/>
-              <a:t> 포워드 신경망 언어 모델 </a:t>
-            </a:r>
-            <a:r>
-              <a:rPr lang="en-US" altLang="ko-KR" sz="2400" dirty="0"/>
-              <a:t>(Neural Network Language Model, NNLM)</a:t>
-            </a:r>
-          </a:p>
-          <a:p>
-            <a:pPr lvl="1"/>
-            <a:r>
-              <a:rPr lang="ko-KR" altLang="en-US" sz="2000" dirty="0" err="1"/>
-              <a:t>뉴럴</a:t>
-            </a:r>
-            <a:r>
-              <a:rPr lang="ko-KR" altLang="en-US" sz="2000" dirty="0"/>
-              <a:t> 네트워크를 통해 다음 단어를 예측</a:t>
-            </a:r>
-            <a:endParaRPr lang="en-US" altLang="ko-KR" sz="2000" dirty="0"/>
-          </a:p>
-          <a:p>
-            <a:pPr lvl="1"/>
-            <a:r>
-              <a:rPr lang="en-US" altLang="ko-KR" sz="2000" dirty="0"/>
-              <a:t>RNNLM, LSTM-LM </a:t>
-            </a:r>
-            <a:r>
-              <a:rPr lang="ko-KR" altLang="en-US" sz="2000" dirty="0"/>
-              <a:t>등</a:t>
-            </a:r>
-            <a:endParaRPr lang="en-KR" sz="2000" dirty="0"/>
-          </a:p>
-          <a:p>
-            <a:pPr marL="514350" indent="-514350">
-              <a:buFont typeface="+mj-lt"/>
-              <a:buAutoNum type="arabicPeriod"/>
-            </a:pPr>
-            <a:endParaRPr lang="en-US" dirty="0"/>
-          </a:p>
-        </p:txBody>
-      </p:sp>
-    </p:spTree>
-    <p:extLst>
-      <p:ext uri="{BB962C8B-B14F-4D97-AF65-F5344CB8AC3E}">
-        <p14:creationId xmlns:p14="http://schemas.microsoft.com/office/powerpoint/2010/main" val="3045417673"/>
-      </p:ext>
-    </p:extLst>
-  </p:cSld>
-  <p:clrMapOvr>
-    <a:masterClrMapping/>
-  </p:clrMapOvr>
-</p:sld>
-</file>
-
-<file path=ppt/slides/slide30.xml><?xml version="1.0" encoding="utf-8"?>
+<file path=ppt/slides/slide33.xml><?xml version="1.0" encoding="utf-8"?>
 <p:sld xmlns:a="http://schemas.openxmlformats.org/drawingml/2006/main" xmlns:r="http://schemas.openxmlformats.org/officeDocument/2006/relationships" xmlns:p="http://schemas.openxmlformats.org/presentationml/2006/main">
   <p:cSld>
     <p:spTree>
@@ -11238,7 +11633,7 @@
 </p:sld>
 </file>
 
-<file path=ppt/slides/slide31.xml><?xml version="1.0" encoding="utf-8"?>
+<file path=ppt/slides/slide34.xml><?xml version="1.0" encoding="utf-8"?>
 <p:sld xmlns:a="http://schemas.openxmlformats.org/drawingml/2006/main" xmlns:r="http://schemas.openxmlformats.org/officeDocument/2006/relationships" xmlns:p="http://schemas.openxmlformats.org/presentationml/2006/main">
   <p:cSld>
     <p:spTree>
@@ -11722,7 +12117,7 @@
 </p:sld>
 </file>
 
-<file path=ppt/slides/slide32.xml><?xml version="1.0" encoding="utf-8"?>
+<file path=ppt/slides/slide35.xml><?xml version="1.0" encoding="utf-8"?>
 <p:sld xmlns:a="http://schemas.openxmlformats.org/drawingml/2006/main" xmlns:r="http://schemas.openxmlformats.org/officeDocument/2006/relationships" xmlns:p="http://schemas.openxmlformats.org/presentationml/2006/main">
   <p:cSld>
     <p:spTree>
@@ -12320,7 +12715,7 @@
 </p:sld>
 </file>
 
-<file path=ppt/slides/slide33.xml><?xml version="1.0" encoding="utf-8"?>
+<file path=ppt/slides/slide36.xml><?xml version="1.0" encoding="utf-8"?>
 <p:sld xmlns:a="http://schemas.openxmlformats.org/drawingml/2006/main" xmlns:r="http://schemas.openxmlformats.org/officeDocument/2006/relationships" xmlns:p="http://schemas.openxmlformats.org/presentationml/2006/main">
   <p:cSld>
     <p:spTree>
@@ -14007,10 +14402,10 @@
       </p:grpSpPr>
       <p:sp>
         <p:nvSpPr>
-          <p:cNvPr id="2" name="Title 1">
-            <a:extLst>
-              <a:ext uri="{FF2B5EF4-FFF2-40B4-BE49-F238E27FC236}">
-                <a16:creationId xmlns:a16="http://schemas.microsoft.com/office/drawing/2014/main" id="{B5F1E9E9-786D-2943-B5FA-A1E21BD909D2}"/>
+          <p:cNvPr id="2" name="제목 1">
+            <a:extLst>
+              <a:ext uri="{FF2B5EF4-FFF2-40B4-BE49-F238E27FC236}">
+                <a16:creationId xmlns:a16="http://schemas.microsoft.com/office/drawing/2014/main" id="{87C69FEB-D16F-416D-BACE-9B754F8FA62A}"/>
               </a:ext>
             </a:extLst>
           </p:cNvPr>
@@ -14021,180 +14416,29 @@
             <p:ph type="title"/>
           </p:nvPr>
         </p:nvSpPr>
-        <p:spPr/>
+        <p:spPr>
+          <a:xfrm>
+            <a:off x="838200" y="2640734"/>
+            <a:ext cx="10515600" cy="1325563"/>
+          </a:xfrm>
+        </p:spPr>
         <p:txBody>
           <a:bodyPr/>
           <a:lstStyle/>
           <a:p>
-            <a:r>
-              <a:rPr lang="en-US" dirty="0"/>
+            <a:pPr algn="ctr"/>
+            <a:r>
+              <a:rPr lang="en-US" altLang="ko-KR" dirty="0"/>
               <a:t>Spelling Correction</a:t>
             </a:r>
-            <a:r>
-              <a:rPr lang="ko-KR" altLang="en-US" dirty="0"/>
-              <a:t>이란</a:t>
-            </a:r>
-            <a:r>
-              <a:rPr lang="en-US" altLang="ko-KR" dirty="0"/>
-              <a:t>?</a:t>
-            </a:r>
-            <a:endParaRPr lang="en-KR" dirty="0"/>
-          </a:p>
-        </p:txBody>
-      </p:sp>
-      <p:sp>
-        <p:nvSpPr>
-          <p:cNvPr id="3" name="Content Placeholder 2">
-            <a:extLst>
-              <a:ext uri="{FF2B5EF4-FFF2-40B4-BE49-F238E27FC236}">
-                <a16:creationId xmlns:a16="http://schemas.microsoft.com/office/drawing/2014/main" id="{77ABDA51-41BF-1F42-AE21-77C353482B75}"/>
-              </a:ext>
-            </a:extLst>
-          </p:cNvPr>
-          <p:cNvSpPr>
-            <a:spLocks noGrp="1"/>
-          </p:cNvSpPr>
-          <p:nvPr>
-            <p:ph idx="1"/>
-          </p:nvPr>
-        </p:nvSpPr>
-        <p:spPr/>
-        <p:txBody>
-          <a:bodyPr/>
-          <a:lstStyle/>
-          <a:p>
-            <a:pPr marL="514350" indent="-514350">
-              <a:buFont typeface="+mj-lt"/>
-              <a:buAutoNum type="arabicPeriod"/>
-            </a:pPr>
-            <a:r>
-              <a:rPr lang="ko-KR" altLang="en-US" dirty="0"/>
-              <a:t>단어가 아닌 스펠링 에러를 탐지하고 보정하거나</a:t>
-            </a:r>
-            <a:endParaRPr lang="en-US" altLang="ko-KR" dirty="0"/>
-          </a:p>
-          <a:p>
-            <a:pPr lvl="1"/>
-            <a:r>
-              <a:rPr lang="en-US" altLang="ko-KR" dirty="0"/>
-              <a:t>ex) </a:t>
-            </a:r>
-            <a:r>
-              <a:rPr lang="en-US" altLang="ko-KR" dirty="0" err="1"/>
-              <a:t>acr</a:t>
-            </a:r>
-            <a:r>
-              <a:rPr lang="en-US" altLang="ko-KR" dirty="0" err="1">
-                <a:solidFill>
-                  <a:srgbClr val="FF0000"/>
-                </a:solidFill>
-              </a:rPr>
-              <a:t>e</a:t>
-            </a:r>
-            <a:r>
-              <a:rPr lang="en-US" altLang="ko-KR" dirty="0" err="1"/>
-              <a:t>ss</a:t>
-            </a:r>
-            <a:r>
-              <a:rPr lang="en-US" altLang="ko-KR" dirty="0"/>
-              <a:t> the river -&gt; acr</a:t>
-            </a:r>
-            <a:r>
-              <a:rPr lang="en-US" altLang="ko-KR" dirty="0">
-                <a:solidFill>
-                  <a:srgbClr val="FF0000"/>
-                </a:solidFill>
-              </a:rPr>
-              <a:t>o</a:t>
-            </a:r>
-            <a:r>
-              <a:rPr lang="en-US" altLang="ko-KR" dirty="0"/>
-              <a:t>ss the river</a:t>
-            </a:r>
-          </a:p>
-          <a:p>
-            <a:pPr lvl="1"/>
-            <a:endParaRPr lang="en-US" altLang="ko-KR" dirty="0"/>
-          </a:p>
-          <a:p>
-            <a:pPr marL="514350" indent="-514350">
-              <a:buFont typeface="+mj-lt"/>
-              <a:buAutoNum type="arabicPeriod"/>
-            </a:pPr>
-            <a:r>
-              <a:rPr lang="ko-KR" altLang="en-US" dirty="0"/>
-              <a:t>문맥에 맞지 않는 실제 단어를 탐지하고 보정하는 것</a:t>
-            </a:r>
-            <a:endParaRPr lang="en-US" altLang="ko-KR" dirty="0"/>
-          </a:p>
-          <a:p>
-            <a:pPr lvl="1"/>
-            <a:r>
-              <a:rPr lang="en-US" dirty="0"/>
-              <a:t>ex) a </a:t>
-            </a:r>
-            <a:r>
-              <a:rPr lang="en-US" dirty="0">
-                <a:solidFill>
-                  <a:srgbClr val="FF0000"/>
-                </a:solidFill>
-              </a:rPr>
-              <a:t>peace</a:t>
-            </a:r>
-            <a:r>
-              <a:rPr lang="en-US" dirty="0"/>
-              <a:t> of cake -&gt; a </a:t>
-            </a:r>
-            <a:r>
-              <a:rPr lang="en-US" dirty="0">
-                <a:solidFill>
-                  <a:srgbClr val="FF0000"/>
-                </a:solidFill>
-              </a:rPr>
-              <a:t>piece</a:t>
-            </a:r>
-            <a:r>
-              <a:rPr lang="en-US" dirty="0"/>
-              <a:t> of cake</a:t>
-            </a:r>
-          </a:p>
-          <a:p>
-            <a:pPr lvl="1"/>
-            <a:endParaRPr lang="en-US" dirty="0"/>
-          </a:p>
-          <a:p>
-            <a:r>
-              <a:rPr lang="en-US" dirty="0"/>
-              <a:t>Spelling Correction</a:t>
-            </a:r>
-            <a:r>
-              <a:rPr lang="ko-KR" altLang="en-US" dirty="0"/>
-              <a:t>에서는 </a:t>
-            </a:r>
-            <a:r>
-              <a:rPr lang="en-US" altLang="ko-KR" dirty="0"/>
-              <a:t>Noisy Channel</a:t>
-            </a:r>
-            <a:r>
-              <a:rPr lang="ko-KR" altLang="en-US" dirty="0"/>
-              <a:t> </a:t>
-            </a:r>
-            <a:r>
-              <a:rPr lang="en-US" altLang="ko-KR" dirty="0"/>
-              <a:t>Model</a:t>
-            </a:r>
-            <a:r>
-              <a:rPr lang="ko-KR" altLang="en-US" dirty="0"/>
-              <a:t>을 사용</a:t>
-            </a:r>
-            <a:endParaRPr lang="en-KR" dirty="0"/>
+            <a:endParaRPr lang="ko-KR" altLang="en-US" dirty="0"/>
           </a:p>
         </p:txBody>
       </p:sp>
     </p:spTree>
     <p:extLst>
       <p:ext uri="{BB962C8B-B14F-4D97-AF65-F5344CB8AC3E}">
-        <p14:creationId xmlns:p14="http://schemas.microsoft.com/office/powerpoint/2010/main" val="994842308"/>
+        <p14:creationId xmlns:p14="http://schemas.microsoft.com/office/powerpoint/2010/main" val="2792970157"/>
       </p:ext>
     </p:extLst>
   </p:cSld>
@@ -14226,7 +14470,7 @@
           <p:cNvPr id="2" name="Title 1">
             <a:extLst>
               <a:ext uri="{FF2B5EF4-FFF2-40B4-BE49-F238E27FC236}">
-                <a16:creationId xmlns:a16="http://schemas.microsoft.com/office/drawing/2014/main" id="{23E17703-939A-DB40-A019-5FA7A6E210EC}"/>
+                <a16:creationId xmlns:a16="http://schemas.microsoft.com/office/drawing/2014/main" id="{B5F1E9E9-786D-2943-B5FA-A1E21BD909D2}"/>
               </a:ext>
             </a:extLst>
           </p:cNvPr>
@@ -14248,19 +14492,11 @@
             </a:r>
             <a:r>
               <a:rPr lang="ko-KR" altLang="en-US" dirty="0"/>
-              <a:t> </a:t>
+              <a:t>이란</a:t>
             </a:r>
             <a:r>
               <a:rPr lang="en-US" altLang="ko-KR" dirty="0"/>
-              <a:t>–</a:t>
-            </a:r>
-            <a:r>
-              <a:rPr lang="ko-KR" altLang="en-US" dirty="0"/>
-              <a:t> </a:t>
-            </a:r>
-            <a:r>
-              <a:rPr lang="en-US" altLang="ko-KR" dirty="0"/>
-              <a:t>Noisy Channel</a:t>
+              <a:t>?</a:t>
             </a:r>
             <a:endParaRPr lang="en-KR" dirty="0"/>
           </a:p>
@@ -14271,7 +14507,7 @@
           <p:cNvPr id="3" name="Content Placeholder 2">
             <a:extLst>
               <a:ext uri="{FF2B5EF4-FFF2-40B4-BE49-F238E27FC236}">
-                <a16:creationId xmlns:a16="http://schemas.microsoft.com/office/drawing/2014/main" id="{F720A283-D182-B74E-9CC7-1C913B90F62E}"/>
+                <a16:creationId xmlns:a16="http://schemas.microsoft.com/office/drawing/2014/main" id="{77ABDA51-41BF-1F42-AE21-77C353482B75}"/>
               </a:ext>
             </a:extLst>
           </p:cNvPr>
@@ -14287,8 +14523,116 @@
           <a:bodyPr/>
           <a:lstStyle/>
           <a:p>
-            <a:r>
-              <a:rPr lang="en-KR" altLang="ko-KR" dirty="0"/>
+            <a:pPr marL="514350" indent="-514350">
+              <a:buFont typeface="+mj-lt"/>
+              <a:buAutoNum type="arabicPeriod"/>
+            </a:pPr>
+            <a:r>
+              <a:rPr lang="ko-KR" altLang="en-US" dirty="0"/>
+              <a:t>단어가 아닌 스펠링 에러를 탐지하고 보정하거나</a:t>
+            </a:r>
+            <a:endParaRPr lang="en-US" altLang="ko-KR" dirty="0"/>
+          </a:p>
+          <a:p>
+            <a:pPr lvl="1"/>
+            <a:r>
+              <a:rPr lang="en-US" altLang="ko-KR" dirty="0"/>
+              <a:t>ex) </a:t>
+            </a:r>
+            <a:r>
+              <a:rPr lang="en-US" altLang="ko-KR" dirty="0" err="1"/>
+              <a:t>acr</a:t>
+            </a:r>
+            <a:r>
+              <a:rPr lang="en-US" altLang="ko-KR" dirty="0" err="1">
+                <a:solidFill>
+                  <a:srgbClr val="FF0000"/>
+                </a:solidFill>
+              </a:rPr>
+              <a:t>e</a:t>
+            </a:r>
+            <a:r>
+              <a:rPr lang="en-US" altLang="ko-KR" dirty="0" err="1"/>
+              <a:t>ss</a:t>
+            </a:r>
+            <a:r>
+              <a:rPr lang="en-US" altLang="ko-KR" dirty="0"/>
+              <a:t> the river -&gt; acr</a:t>
+            </a:r>
+            <a:r>
+              <a:rPr lang="en-US" altLang="ko-KR" dirty="0">
+                <a:solidFill>
+                  <a:srgbClr val="FF0000"/>
+                </a:solidFill>
+              </a:rPr>
+              <a:t>o</a:t>
+            </a:r>
+            <a:r>
+              <a:rPr lang="en-US" altLang="ko-KR" dirty="0"/>
+              <a:t>ss the river</a:t>
+            </a:r>
+          </a:p>
+          <a:p>
+            <a:pPr lvl="1"/>
+            <a:endParaRPr lang="en-US" altLang="ko-KR" dirty="0"/>
+          </a:p>
+          <a:p>
+            <a:pPr marL="514350" indent="-514350">
+              <a:buFont typeface="+mj-lt"/>
+              <a:buAutoNum type="arabicPeriod"/>
+            </a:pPr>
+            <a:r>
+              <a:rPr lang="ko-KR" altLang="en-US" dirty="0"/>
+              <a:t>문맥에 맞지 않는 실제 단어를 탐지하고 보정하는 것</a:t>
+            </a:r>
+            <a:endParaRPr lang="en-US" altLang="ko-KR" dirty="0"/>
+          </a:p>
+          <a:p>
+            <a:pPr lvl="1"/>
+            <a:r>
+              <a:rPr lang="en-US" dirty="0"/>
+              <a:t>ex) a </a:t>
+            </a:r>
+            <a:r>
+              <a:rPr lang="en-US" dirty="0">
+                <a:solidFill>
+                  <a:srgbClr val="FF0000"/>
+                </a:solidFill>
+              </a:rPr>
+              <a:t>peace</a:t>
+            </a:r>
+            <a:r>
+              <a:rPr lang="en-US" dirty="0"/>
+              <a:t> of cake -&gt; a </a:t>
+            </a:r>
+            <a:r>
+              <a:rPr lang="en-US" dirty="0">
+                <a:solidFill>
+                  <a:srgbClr val="FF0000"/>
+                </a:solidFill>
+              </a:rPr>
+              <a:t>piece</a:t>
+            </a:r>
+            <a:r>
+              <a:rPr lang="en-US" dirty="0"/>
+              <a:t> of cake</a:t>
+            </a:r>
+          </a:p>
+          <a:p>
+            <a:pPr lvl="1"/>
+            <a:endParaRPr lang="en-US" dirty="0"/>
+          </a:p>
+          <a:p>
+            <a:r>
+              <a:rPr lang="en-US" dirty="0"/>
+              <a:t>Spelling Correction</a:t>
+            </a:r>
+            <a:r>
+              <a:rPr lang="ko-KR" altLang="en-US" dirty="0"/>
+              <a:t>에서는 </a:t>
+            </a:r>
+            <a:r>
+              <a:rPr lang="en-US" altLang="ko-KR" dirty="0"/>
               <a:t>Noisy Channel</a:t>
             </a:r>
             <a:r>
@@ -14299,166 +14643,18 @@
               <a:rPr lang="en-US" altLang="ko-KR" dirty="0"/>
               <a:t>Model</a:t>
             </a:r>
-            <a:endParaRPr lang="en-KR" altLang="ko-KR" dirty="0"/>
-          </a:p>
-          <a:p>
-            <a:pPr lvl="1"/>
-            <a:endParaRPr lang="en-US" altLang="ko-KR" dirty="0"/>
-          </a:p>
-          <a:p>
-            <a:pPr lvl="1"/>
-            <a:endParaRPr lang="en-US" altLang="ko-KR" dirty="0"/>
-          </a:p>
-          <a:p>
-            <a:pPr lvl="1"/>
-            <a:endParaRPr lang="en-US" altLang="ko-KR" dirty="0"/>
-          </a:p>
-          <a:p>
-            <a:pPr lvl="1"/>
-            <a:endParaRPr lang="en-US" altLang="ko-KR" dirty="0"/>
-          </a:p>
-          <a:p>
-            <a:pPr lvl="1"/>
-            <a:endParaRPr lang="en-US" altLang="ko-KR" dirty="0"/>
-          </a:p>
-          <a:p>
-            <a:r>
-              <a:rPr lang="en-US" altLang="ko-KR" sz="2000" dirty="0"/>
-              <a:t>Bayesian inference</a:t>
-            </a:r>
-            <a:r>
-              <a:rPr lang="ko-KR" altLang="en-US" sz="2000" dirty="0"/>
-              <a:t>의 일종으로 잘못 </a:t>
-            </a:r>
-            <a:r>
-              <a:rPr lang="ko-KR" altLang="en-US" sz="2000" dirty="0" err="1"/>
-              <a:t>스펠링된</a:t>
-            </a:r>
-            <a:r>
-              <a:rPr lang="ko-KR" altLang="en-US" sz="2000" dirty="0"/>
-              <a:t> 단어인 관찰 </a:t>
-            </a:r>
-            <a:r>
-              <a:rPr lang="en-US" altLang="ko-KR" sz="2000" dirty="0"/>
-              <a:t>x</a:t>
-            </a:r>
-            <a:r>
-              <a:rPr lang="ko-KR" altLang="en-US" sz="2000" dirty="0" err="1"/>
-              <a:t>를</a:t>
-            </a:r>
-            <a:r>
-              <a:rPr lang="ko-KR" altLang="en-US" sz="2000" dirty="0"/>
-              <a:t> 보고</a:t>
-            </a:r>
-            <a:r>
-              <a:rPr lang="en-US" altLang="ko-KR" sz="2000" dirty="0"/>
-              <a:t>,</a:t>
-            </a:r>
-            <a:r>
-              <a:rPr lang="ko-KR" altLang="en-US" sz="2000" dirty="0"/>
-              <a:t> 원래의 단어 </a:t>
-            </a:r>
-            <a:r>
-              <a:rPr lang="en-US" altLang="ko-KR" sz="2000" dirty="0"/>
-              <a:t>w</a:t>
-            </a:r>
-            <a:r>
-              <a:rPr lang="ko-KR" altLang="en-US" sz="2000" dirty="0"/>
-              <a:t>를 찾는 것</a:t>
-            </a:r>
-            <a:endParaRPr lang="en-US" altLang="ko-KR" sz="2000" dirty="0"/>
-          </a:p>
-          <a:p>
-            <a:r>
-              <a:rPr lang="ko-KR" altLang="en-US" sz="2000" dirty="0"/>
-              <a:t>사전에서 나타나는 모든 </a:t>
-            </a:r>
-            <a:r>
-              <a:rPr lang="ko-KR" altLang="en-US" sz="2000" dirty="0" err="1"/>
-              <a:t>단어들에서</a:t>
-            </a:r>
-            <a:r>
-              <a:rPr lang="en-US" altLang="ko-KR" sz="2000" dirty="0"/>
-              <a:t>,</a:t>
-            </a:r>
-            <a:r>
-              <a:rPr lang="ko-KR" altLang="en-US" sz="2000" dirty="0"/>
-              <a:t> </a:t>
-            </a:r>
-            <a:r>
-              <a:rPr lang="ko-KR" altLang="en-US" sz="2000" dirty="0" err="1"/>
-              <a:t>우변식</a:t>
-            </a:r>
-            <a:r>
-              <a:rPr lang="ko-KR" altLang="en-US" sz="2000" dirty="0"/>
-              <a:t> </a:t>
-            </a:r>
-            <a:r>
-              <a:rPr lang="en-US" altLang="ko-KR" sz="2000" dirty="0"/>
-              <a:t>P(</a:t>
-            </a:r>
-            <a:r>
-              <a:rPr lang="en-US" altLang="ko-KR" sz="2000" dirty="0" err="1"/>
-              <a:t>w|x</a:t>
-            </a:r>
-            <a:r>
-              <a:rPr lang="en-US" altLang="ko-KR" sz="2000" dirty="0"/>
-              <a:t>)</a:t>
-            </a:r>
-            <a:r>
-              <a:rPr lang="ko-KR" altLang="en-US" sz="2000" dirty="0" err="1"/>
-              <a:t>를</a:t>
-            </a:r>
-            <a:r>
-              <a:rPr lang="ko-KR" altLang="en-US" sz="2000" dirty="0"/>
-              <a:t> 최대화시키는 특정 단어를 찾는 것이 </a:t>
-            </a:r>
-            <a:r>
-              <a:rPr lang="en-US" altLang="ko-KR" sz="2000" dirty="0"/>
-              <a:t>Noisy Channel</a:t>
-            </a:r>
-            <a:r>
-              <a:rPr lang="ko-KR" altLang="en-US" sz="2000" dirty="0"/>
-              <a:t>의 목적</a:t>
-            </a:r>
-            <a:endParaRPr lang="en-US" altLang="ko-KR" sz="2000" dirty="0"/>
-          </a:p>
-        </p:txBody>
-      </p:sp>
-      <p:pic>
-        <p:nvPicPr>
-          <p:cNvPr id="7" name="Picture 6" descr="A close up of a logo&#10;&#10;Description automatically generated">
-            <a:extLst>
-              <a:ext uri="{FF2B5EF4-FFF2-40B4-BE49-F238E27FC236}">
-                <a16:creationId xmlns:a16="http://schemas.microsoft.com/office/drawing/2014/main" id="{C9C27087-204C-B149-8FA0-F83BF06208CB}"/>
-              </a:ext>
-            </a:extLst>
-          </p:cNvPr>
-          <p:cNvPicPr>
-            <a:picLocks noChangeAspect="1"/>
-          </p:cNvPicPr>
-          <p:nvPr/>
-        </p:nvPicPr>
-        <p:blipFill>
-          <a:blip r:embed="rId3"/>
-          <a:stretch>
-            <a:fillRect/>
-          </a:stretch>
-        </p:blipFill>
-        <p:spPr>
-          <a:xfrm>
-            <a:off x="3326166" y="2686843"/>
-            <a:ext cx="5539668" cy="1484313"/>
-          </a:xfrm>
-          <a:prstGeom prst="rect">
-            <a:avLst/>
-          </a:prstGeom>
-        </p:spPr>
-      </p:pic>
+            <a:r>
+              <a:rPr lang="ko-KR" altLang="en-US" dirty="0"/>
+              <a:t>을 사용</a:t>
+            </a:r>
+            <a:endParaRPr lang="en-KR" dirty="0"/>
+          </a:p>
+        </p:txBody>
+      </p:sp>
     </p:spTree>
     <p:extLst>
       <p:ext uri="{BB962C8B-B14F-4D97-AF65-F5344CB8AC3E}">
-        <p14:creationId xmlns:p14="http://schemas.microsoft.com/office/powerpoint/2010/main" val="3026652323"/>
+        <p14:creationId xmlns:p14="http://schemas.microsoft.com/office/powerpoint/2010/main" val="994842308"/>
       </p:ext>
     </p:extLst>
   </p:cSld>

--- a/11. Language Model/Language Model.pptx
+++ b/11. Language Model/Language Model.pptx
@@ -545,83 +545,13 @@
           <a:p>
             <a:r>
               <a:rPr lang="ko-KR" altLang="en-US" dirty="0"/>
-              <a:t>갖고 있는 코퍼스에서 </a:t>
-            </a:r>
-            <a:r>
-              <a:rPr lang="en-US" altLang="ko-KR" dirty="0"/>
-              <a:t>boy is </a:t>
-            </a:r>
-            <a:r>
-              <a:rPr lang="en-US" altLang="ko-KR" dirty="0" err="1"/>
-              <a:t>spreadin</a:t>
-            </a:r>
-            <a:r>
-              <a:rPr lang="ko-KR" altLang="en-US" dirty="0"/>
-              <a:t>이 </a:t>
-            </a:r>
-            <a:r>
-              <a:rPr lang="en-US" altLang="ko-KR" dirty="0"/>
-              <a:t>1,000</a:t>
-            </a:r>
-            <a:r>
-              <a:rPr lang="ko-KR" altLang="en-US" dirty="0"/>
-              <a:t>번 등장했다고 하자</a:t>
-            </a:r>
-            <a:r>
-              <a:rPr lang="en-US" altLang="ko-KR" dirty="0"/>
-              <a:t>, </a:t>
-            </a:r>
-            <a:r>
-              <a:rPr lang="ko-KR" altLang="en-US" dirty="0"/>
-              <a:t>그리고 </a:t>
-            </a:r>
-            <a:r>
-              <a:rPr lang="en-US" altLang="ko-KR" dirty="0"/>
-              <a:t>boy is spreading insults</a:t>
-            </a:r>
-            <a:r>
-              <a:rPr lang="ko-KR" altLang="en-US" dirty="0"/>
-              <a:t>가 </a:t>
-            </a:r>
-            <a:r>
-              <a:rPr lang="en-US" altLang="ko-KR" dirty="0"/>
-              <a:t>500</a:t>
-            </a:r>
-            <a:r>
-              <a:rPr lang="ko-KR" altLang="en-US" dirty="0"/>
-              <a:t>번 등장하고 </a:t>
-            </a:r>
-            <a:r>
-              <a:rPr lang="en-US" altLang="ko-KR" dirty="0"/>
-              <a:t>~smiles</a:t>
-            </a:r>
-            <a:r>
-              <a:rPr lang="ko-KR" altLang="en-US" dirty="0"/>
-              <a:t>가 </a:t>
-            </a:r>
-            <a:r>
-              <a:rPr lang="en-US" altLang="ko-KR" dirty="0"/>
-              <a:t>200</a:t>
-            </a:r>
-            <a:r>
-              <a:rPr lang="ko-KR" altLang="en-US" dirty="0"/>
-              <a:t>번 등장했다고 하면 우리는 </a:t>
-            </a:r>
-            <a:r>
-              <a:rPr lang="en-US" altLang="ko-KR" dirty="0"/>
-              <a:t>insults</a:t>
-            </a:r>
-            <a:r>
-              <a:rPr lang="ko-KR" altLang="en-US" dirty="0"/>
-              <a:t>가 더 맞다고 판단</a:t>
-            </a:r>
-            <a:endParaRPr lang="en-US" altLang="ko-KR" dirty="0"/>
-          </a:p>
-          <a:p>
-            <a:r>
-              <a:rPr lang="ko-KR" altLang="en-US" dirty="0"/>
-              <a:t>하지만 앞의 문맥은 판단하지 않기 때문에 잘못된 단어가 올 가능성 높아짐 </a:t>
-            </a:r>
+              <a:t>한 문장이 있을 때 그 문장에 대한 조건부 확률을 하나하나 </a:t>
+            </a:r>
+            <a:r>
+              <a:rPr lang="ko-KR" altLang="en-US" dirty="0" err="1"/>
+              <a:t>곱해줌</a:t>
+            </a:r>
+            <a:endParaRPr lang="ko-KR" altLang="en-US" dirty="0"/>
           </a:p>
         </p:txBody>
       </p:sp>
@@ -642,7 +572,7 @@
           <a:p>
             <a:fld id="{437338BD-3F3B-4523-AE4F-1240ACAAF31E}" type="slidenum">
               <a:rPr lang="ko-KR" altLang="en-US" smtClean="0"/>
-              <a:t>5</a:t>
+              <a:t>4</a:t>
             </a:fld>
             <a:endParaRPr lang="ko-KR" altLang="en-US"/>
           </a:p>
@@ -651,7 +581,7 @@
     </p:spTree>
     <p:extLst>
       <p:ext uri="{BB962C8B-B14F-4D97-AF65-F5344CB8AC3E}">
-        <p14:creationId xmlns:p14="http://schemas.microsoft.com/office/powerpoint/2010/main" val="1852290755"/>
+        <p14:creationId xmlns:p14="http://schemas.microsoft.com/office/powerpoint/2010/main" val="2242980745"/>
       </p:ext>
     </p:extLst>
   </p:cSld>
@@ -706,16 +636,1008 @@
           <a:lstStyle/>
           <a:p>
             <a:r>
+              <a:rPr lang="en-US" altLang="ko-KR" dirty="0"/>
+              <a:t>m</a:t>
+            </a:r>
+            <a:r>
+              <a:rPr lang="ko-KR" altLang="en-US" dirty="0"/>
+              <a:t>대신 </a:t>
+            </a:r>
+            <a:r>
+              <a:rPr lang="en-US" altLang="ko-KR" dirty="0"/>
+              <a:t>n</a:t>
+            </a:r>
+            <a:r>
+              <a:rPr lang="ko-KR" altLang="en-US" dirty="0"/>
+              <a:t>을 </a:t>
+            </a:r>
+            <a:r>
+              <a:rPr lang="ko-KR" altLang="en-US" dirty="0" err="1"/>
+              <a:t>집어넣는다던가</a:t>
+            </a:r>
+            <a:endParaRPr lang="ko-KR" altLang="en-US" dirty="0"/>
+          </a:p>
+        </p:txBody>
+      </p:sp>
+      <p:sp>
+        <p:nvSpPr>
+          <p:cNvPr id="4" name="슬라이드 번호 개체 틀 3"/>
+          <p:cNvSpPr>
+            <a:spLocks noGrp="1"/>
+          </p:cNvSpPr>
+          <p:nvPr>
+            <p:ph type="sldNum" sz="quarter" idx="5"/>
+          </p:nvPr>
+        </p:nvSpPr>
+        <p:spPr/>
+        <p:txBody>
+          <a:bodyPr/>
+          <a:lstStyle/>
+          <a:p>
+            <a:fld id="{437338BD-3F3B-4523-AE4F-1240ACAAF31E}" type="slidenum">
+              <a:rPr lang="ko-KR" altLang="en-US" smtClean="0"/>
+              <a:t>15</a:t>
+            </a:fld>
+            <a:endParaRPr lang="ko-KR" altLang="en-US"/>
+          </a:p>
+        </p:txBody>
+      </p:sp>
+    </p:spTree>
+    <p:extLst>
+      <p:ext uri="{BB962C8B-B14F-4D97-AF65-F5344CB8AC3E}">
+        <p14:creationId xmlns:p14="http://schemas.microsoft.com/office/powerpoint/2010/main" val="2888310782"/>
+      </p:ext>
+    </p:extLst>
+  </p:cSld>
+  <p:clrMapOvr>
+    <a:masterClrMapping/>
+  </p:clrMapOvr>
+</p:notes>
+</file>
+
+<file path=ppt/notesSlides/notesSlide11.xml><?xml version="1.0" encoding="utf-8"?>
+<p:notes xmlns:a="http://schemas.openxmlformats.org/drawingml/2006/main" xmlns:r="http://schemas.openxmlformats.org/officeDocument/2006/relationships" xmlns:p="http://schemas.openxmlformats.org/presentationml/2006/main">
+  <p:cSld>
+    <p:spTree>
+      <p:nvGrpSpPr>
+        <p:cNvPr id="1" name=""/>
+        <p:cNvGrpSpPr/>
+        <p:nvPr/>
+      </p:nvGrpSpPr>
+      <p:grpSpPr>
+        <a:xfrm>
+          <a:off x="0" y="0"/>
+          <a:ext cx="0" cy="0"/>
+          <a:chOff x="0" y="0"/>
+          <a:chExt cx="0" cy="0"/>
+        </a:xfrm>
+      </p:grpSpPr>
+      <p:sp>
+        <p:nvSpPr>
+          <p:cNvPr id="2" name="슬라이드 이미지 개체 틀 1"/>
+          <p:cNvSpPr>
+            <a:spLocks noGrp="1" noRot="1" noChangeAspect="1"/>
+          </p:cNvSpPr>
+          <p:nvPr>
+            <p:ph type="sldImg"/>
+          </p:nvPr>
+        </p:nvSpPr>
+        <p:spPr/>
+      </p:sp>
+      <p:sp>
+        <p:nvSpPr>
+          <p:cNvPr id="3" name="슬라이드 노트 개체 틀 2"/>
+          <p:cNvSpPr>
+            <a:spLocks noGrp="1"/>
+          </p:cNvSpPr>
+          <p:nvPr>
+            <p:ph type="body" idx="1"/>
+          </p:nvPr>
+        </p:nvSpPr>
+        <p:spPr/>
+        <p:txBody>
+          <a:bodyPr/>
+          <a:lstStyle/>
+          <a:p>
+            <a:r>
+              <a:rPr lang="en-US" altLang="ko-KR" dirty="0"/>
+              <a:t>across</a:t>
+            </a:r>
+            <a:r>
+              <a:rPr lang="ko-KR" altLang="en-US" dirty="0"/>
+              <a:t>가 가장 높은 확률을 갖지만 코퍼스의 크기에 따라 정확도 차이가 있기 때문에 최대한 큰 코퍼스를 쓰는게 추천됨</a:t>
+            </a:r>
+          </a:p>
+        </p:txBody>
+      </p:sp>
+      <p:sp>
+        <p:nvSpPr>
+          <p:cNvPr id="4" name="슬라이드 번호 개체 틀 3"/>
+          <p:cNvSpPr>
+            <a:spLocks noGrp="1"/>
+          </p:cNvSpPr>
+          <p:nvPr>
+            <p:ph type="sldNum" sz="quarter" idx="5"/>
+          </p:nvPr>
+        </p:nvSpPr>
+        <p:spPr/>
+        <p:txBody>
+          <a:bodyPr/>
+          <a:lstStyle/>
+          <a:p>
+            <a:fld id="{437338BD-3F3B-4523-AE4F-1240ACAAF31E}" type="slidenum">
+              <a:rPr lang="ko-KR" altLang="en-US" smtClean="0"/>
+              <a:t>16</a:t>
+            </a:fld>
+            <a:endParaRPr lang="ko-KR" altLang="en-US"/>
+          </a:p>
+        </p:txBody>
+      </p:sp>
+    </p:spTree>
+    <p:extLst>
+      <p:ext uri="{BB962C8B-B14F-4D97-AF65-F5344CB8AC3E}">
+        <p14:creationId xmlns:p14="http://schemas.microsoft.com/office/powerpoint/2010/main" val="1551143097"/>
+      </p:ext>
+    </p:extLst>
+  </p:cSld>
+  <p:clrMapOvr>
+    <a:masterClrMapping/>
+  </p:clrMapOvr>
+</p:notes>
+</file>
+
+<file path=ppt/notesSlides/notesSlide12.xml><?xml version="1.0" encoding="utf-8"?>
+<p:notes xmlns:a="http://schemas.openxmlformats.org/drawingml/2006/main" xmlns:r="http://schemas.openxmlformats.org/officeDocument/2006/relationships" xmlns:p="http://schemas.openxmlformats.org/presentationml/2006/main">
+  <p:cSld>
+    <p:spTree>
+      <p:nvGrpSpPr>
+        <p:cNvPr id="1" name=""/>
+        <p:cNvGrpSpPr/>
+        <p:nvPr/>
+      </p:nvGrpSpPr>
+      <p:grpSpPr>
+        <a:xfrm>
+          <a:off x="0" y="0"/>
+          <a:ext cx="0" cy="0"/>
+          <a:chOff x="0" y="0"/>
+          <a:chExt cx="0" cy="0"/>
+        </a:xfrm>
+      </p:grpSpPr>
+      <p:sp>
+        <p:nvSpPr>
+          <p:cNvPr id="2" name="슬라이드 이미지 개체 틀 1"/>
+          <p:cNvSpPr>
+            <a:spLocks noGrp="1" noRot="1" noChangeAspect="1"/>
+          </p:cNvSpPr>
+          <p:nvPr>
+            <p:ph type="sldImg"/>
+          </p:nvPr>
+        </p:nvSpPr>
+        <p:spPr/>
+      </p:sp>
+      <p:sp>
+        <p:nvSpPr>
+          <p:cNvPr id="3" name="슬라이드 노트 개체 틀 2"/>
+          <p:cNvSpPr>
+            <a:spLocks noGrp="1"/>
+          </p:cNvSpPr>
+          <p:nvPr>
+            <p:ph type="body" idx="1"/>
+          </p:nvPr>
+        </p:nvSpPr>
+        <p:spPr/>
+        <p:txBody>
+          <a:bodyPr/>
+          <a:lstStyle/>
+          <a:p>
+            <a:endParaRPr lang="ko-KR" altLang="en-US" dirty="0"/>
+          </a:p>
+        </p:txBody>
+      </p:sp>
+      <p:sp>
+        <p:nvSpPr>
+          <p:cNvPr id="4" name="슬라이드 번호 개체 틀 3"/>
+          <p:cNvSpPr>
+            <a:spLocks noGrp="1"/>
+          </p:cNvSpPr>
+          <p:nvPr>
+            <p:ph type="sldNum" sz="quarter" idx="5"/>
+          </p:nvPr>
+        </p:nvSpPr>
+        <p:spPr/>
+        <p:txBody>
+          <a:bodyPr/>
+          <a:lstStyle/>
+          <a:p>
+            <a:fld id="{437338BD-3F3B-4523-AE4F-1240ACAAF31E}" type="slidenum">
+              <a:rPr lang="ko-KR" altLang="en-US" smtClean="0"/>
+              <a:t>18</a:t>
+            </a:fld>
+            <a:endParaRPr lang="ko-KR" altLang="en-US"/>
+          </a:p>
+        </p:txBody>
+      </p:sp>
+    </p:spTree>
+    <p:extLst>
+      <p:ext uri="{BB962C8B-B14F-4D97-AF65-F5344CB8AC3E}">
+        <p14:creationId xmlns:p14="http://schemas.microsoft.com/office/powerpoint/2010/main" val="2096343864"/>
+      </p:ext>
+    </p:extLst>
+  </p:cSld>
+  <p:clrMapOvr>
+    <a:masterClrMapping/>
+  </p:clrMapOvr>
+</p:notes>
+</file>
+
+<file path=ppt/notesSlides/notesSlide13.xml><?xml version="1.0" encoding="utf-8"?>
+<p:notes xmlns:a="http://schemas.openxmlformats.org/drawingml/2006/main" xmlns:r="http://schemas.openxmlformats.org/officeDocument/2006/relationships" xmlns:p="http://schemas.openxmlformats.org/presentationml/2006/main">
+  <p:cSld>
+    <p:spTree>
+      <p:nvGrpSpPr>
+        <p:cNvPr id="1" name=""/>
+        <p:cNvGrpSpPr/>
+        <p:nvPr/>
+      </p:nvGrpSpPr>
+      <p:grpSpPr>
+        <a:xfrm>
+          <a:off x="0" y="0"/>
+          <a:ext cx="0" cy="0"/>
+          <a:chOff x="0" y="0"/>
+          <a:chExt cx="0" cy="0"/>
+        </a:xfrm>
+      </p:grpSpPr>
+      <p:sp>
+        <p:nvSpPr>
+          <p:cNvPr id="2" name="슬라이드 이미지 개체 틀 1"/>
+          <p:cNvSpPr>
+            <a:spLocks noGrp="1" noRot="1" noChangeAspect="1"/>
+          </p:cNvSpPr>
+          <p:nvPr>
+            <p:ph type="sldImg"/>
+          </p:nvPr>
+        </p:nvSpPr>
+        <p:spPr/>
+      </p:sp>
+      <p:sp>
+        <p:nvSpPr>
+          <p:cNvPr id="3" name="슬라이드 노트 개체 틀 2"/>
+          <p:cNvSpPr>
+            <a:spLocks noGrp="1"/>
+          </p:cNvSpPr>
+          <p:nvPr>
+            <p:ph type="body" idx="1"/>
+          </p:nvPr>
+        </p:nvSpPr>
+        <p:spPr/>
+        <p:txBody>
+          <a:bodyPr/>
+          <a:lstStyle/>
+          <a:p>
+            <a:endParaRPr lang="ko-KR" altLang="en-US" dirty="0"/>
+          </a:p>
+        </p:txBody>
+      </p:sp>
+      <p:sp>
+        <p:nvSpPr>
+          <p:cNvPr id="4" name="슬라이드 번호 개체 틀 3"/>
+          <p:cNvSpPr>
+            <a:spLocks noGrp="1"/>
+          </p:cNvSpPr>
+          <p:nvPr>
+            <p:ph type="sldNum" sz="quarter" idx="5"/>
+          </p:nvPr>
+        </p:nvSpPr>
+        <p:spPr/>
+        <p:txBody>
+          <a:bodyPr/>
+          <a:lstStyle/>
+          <a:p>
+            <a:fld id="{437338BD-3F3B-4523-AE4F-1240ACAAF31E}" type="slidenum">
+              <a:rPr lang="ko-KR" altLang="en-US" smtClean="0"/>
+              <a:t>19</a:t>
+            </a:fld>
+            <a:endParaRPr lang="ko-KR" altLang="en-US"/>
+          </a:p>
+        </p:txBody>
+      </p:sp>
+    </p:spTree>
+    <p:extLst>
+      <p:ext uri="{BB962C8B-B14F-4D97-AF65-F5344CB8AC3E}">
+        <p14:creationId xmlns:p14="http://schemas.microsoft.com/office/powerpoint/2010/main" val="3282332417"/>
+      </p:ext>
+    </p:extLst>
+  </p:cSld>
+  <p:clrMapOvr>
+    <a:masterClrMapping/>
+  </p:clrMapOvr>
+</p:notes>
+</file>
+
+<file path=ppt/notesSlides/notesSlide14.xml><?xml version="1.0" encoding="utf-8"?>
+<p:notes xmlns:a="http://schemas.openxmlformats.org/drawingml/2006/main" xmlns:r="http://schemas.openxmlformats.org/officeDocument/2006/relationships" xmlns:p="http://schemas.openxmlformats.org/presentationml/2006/main">
+  <p:cSld>
+    <p:spTree>
+      <p:nvGrpSpPr>
+        <p:cNvPr id="1" name=""/>
+        <p:cNvGrpSpPr/>
+        <p:nvPr/>
+      </p:nvGrpSpPr>
+      <p:grpSpPr>
+        <a:xfrm>
+          <a:off x="0" y="0"/>
+          <a:ext cx="0" cy="0"/>
+          <a:chOff x="0" y="0"/>
+          <a:chExt cx="0" cy="0"/>
+        </a:xfrm>
+      </p:grpSpPr>
+      <p:sp>
+        <p:nvSpPr>
+          <p:cNvPr id="2" name="슬라이드 이미지 개체 틀 1"/>
+          <p:cNvSpPr>
+            <a:spLocks noGrp="1" noRot="1" noChangeAspect="1"/>
+          </p:cNvSpPr>
+          <p:nvPr>
+            <p:ph type="sldImg"/>
+          </p:nvPr>
+        </p:nvSpPr>
+        <p:spPr/>
+      </p:sp>
+      <p:sp>
+        <p:nvSpPr>
+          <p:cNvPr id="3" name="슬라이드 노트 개체 틀 2"/>
+          <p:cNvSpPr>
+            <a:spLocks noGrp="1"/>
+          </p:cNvSpPr>
+          <p:nvPr>
+            <p:ph type="body" idx="1"/>
+          </p:nvPr>
+        </p:nvSpPr>
+        <p:spPr/>
+        <p:txBody>
+          <a:bodyPr/>
+          <a:lstStyle/>
+          <a:p>
+            <a:pPr marL="0" marR="0" lvl="0" indent="0" algn="l" defTabSz="914400" rtl="0" eaLnBrk="1" fontAlgn="auto" latinLnBrk="1" hangingPunct="1">
+              <a:lnSpc>
+                <a:spcPct val="100000"/>
+              </a:lnSpc>
+              <a:spcBef>
+                <a:spcPts val="0"/>
+              </a:spcBef>
+              <a:spcAft>
+                <a:spcPts val="0"/>
+              </a:spcAft>
+              <a:buClrTx/>
+              <a:buSzTx/>
+              <a:buFontTx/>
+              <a:buNone/>
+              <a:tabLst/>
+              <a:defRPr/>
+            </a:pPr>
+            <a:r>
+              <a:rPr lang="ko-KR" altLang="en-US" sz="1200" dirty="0"/>
+              <a:t>카카오라고 발음한다고 가정할 때 음향모델을 이용해 </a:t>
+            </a:r>
+            <a:r>
+              <a:rPr lang="en-US" altLang="ko-KR" sz="1200" dirty="0"/>
+              <a:t>P(X|</a:t>
+            </a:r>
+            <a:r>
+              <a:rPr lang="ko-KR" altLang="en-US" sz="1200" dirty="0"/>
+              <a:t>카카오</a:t>
+            </a:r>
+            <a:r>
+              <a:rPr lang="en-US" altLang="ko-KR" sz="1200" dirty="0"/>
+              <a:t>), P(X|</a:t>
+            </a:r>
+            <a:r>
+              <a:rPr lang="ko-KR" altLang="en-US" sz="1200" dirty="0"/>
+              <a:t>카키색</a:t>
+            </a:r>
+            <a:r>
+              <a:rPr lang="en-US" altLang="ko-KR" sz="1200" dirty="0"/>
+              <a:t>) </a:t>
+            </a:r>
+            <a:r>
+              <a:rPr lang="ko-KR" altLang="en-US" sz="1200" dirty="0"/>
+              <a:t>등의 확률을 구해보면 </a:t>
+            </a:r>
+            <a:r>
+              <a:rPr lang="en-US" altLang="ko-KR" sz="1200" dirty="0"/>
+              <a:t>P(X|</a:t>
+            </a:r>
+            <a:r>
+              <a:rPr lang="ko-KR" altLang="en-US" sz="1200" dirty="0"/>
+              <a:t>카카오</a:t>
+            </a:r>
+            <a:r>
+              <a:rPr lang="en-US" altLang="ko-KR" sz="1200" dirty="0"/>
+              <a:t>)</a:t>
+            </a:r>
+            <a:r>
+              <a:rPr lang="ko-KR" altLang="en-US" sz="1200" dirty="0"/>
+              <a:t>가 가장 높은 </a:t>
+            </a:r>
+            <a:r>
+              <a:rPr lang="ko-KR" altLang="en-US" sz="1200" dirty="0" err="1"/>
+              <a:t>확률값을</a:t>
+            </a:r>
+            <a:r>
+              <a:rPr lang="ko-KR" altLang="en-US" sz="1200" dirty="0"/>
+              <a:t> 보이도록</a:t>
+            </a:r>
+            <a:endParaRPr lang="ko-KR" altLang="en-US" dirty="0"/>
+          </a:p>
+          <a:p>
+            <a:endParaRPr lang="ko-KR" altLang="en-US" dirty="0"/>
+          </a:p>
+        </p:txBody>
+      </p:sp>
+      <p:sp>
+        <p:nvSpPr>
+          <p:cNvPr id="4" name="슬라이드 번호 개체 틀 3"/>
+          <p:cNvSpPr>
+            <a:spLocks noGrp="1"/>
+          </p:cNvSpPr>
+          <p:nvPr>
+            <p:ph type="sldNum" sz="quarter" idx="5"/>
+          </p:nvPr>
+        </p:nvSpPr>
+        <p:spPr/>
+        <p:txBody>
+          <a:bodyPr/>
+          <a:lstStyle/>
+          <a:p>
+            <a:fld id="{437338BD-3F3B-4523-AE4F-1240ACAAF31E}" type="slidenum">
+              <a:rPr lang="ko-KR" altLang="en-US" smtClean="0"/>
+              <a:t>20</a:t>
+            </a:fld>
+            <a:endParaRPr lang="ko-KR" altLang="en-US"/>
+          </a:p>
+        </p:txBody>
+      </p:sp>
+    </p:spTree>
+    <p:extLst>
+      <p:ext uri="{BB962C8B-B14F-4D97-AF65-F5344CB8AC3E}">
+        <p14:creationId xmlns:p14="http://schemas.microsoft.com/office/powerpoint/2010/main" val="264484661"/>
+      </p:ext>
+    </p:extLst>
+  </p:cSld>
+  <p:clrMapOvr>
+    <a:masterClrMapping/>
+  </p:clrMapOvr>
+</p:notes>
+</file>
+
+<file path=ppt/notesSlides/notesSlide15.xml><?xml version="1.0" encoding="utf-8"?>
+<p:notes xmlns:a="http://schemas.openxmlformats.org/drawingml/2006/main" xmlns:r="http://schemas.openxmlformats.org/officeDocument/2006/relationships" xmlns:p="http://schemas.openxmlformats.org/presentationml/2006/main">
+  <p:cSld>
+    <p:spTree>
+      <p:nvGrpSpPr>
+        <p:cNvPr id="1" name=""/>
+        <p:cNvGrpSpPr/>
+        <p:nvPr/>
+      </p:nvGrpSpPr>
+      <p:grpSpPr>
+        <a:xfrm>
+          <a:off x="0" y="0"/>
+          <a:ext cx="0" cy="0"/>
+          <a:chOff x="0" y="0"/>
+          <a:chExt cx="0" cy="0"/>
+        </a:xfrm>
+      </p:grpSpPr>
+      <p:sp>
+        <p:nvSpPr>
+          <p:cNvPr id="2" name="슬라이드 이미지 개체 틀 1"/>
+          <p:cNvSpPr>
+            <a:spLocks noGrp="1" noRot="1" noChangeAspect="1"/>
+          </p:cNvSpPr>
+          <p:nvPr>
+            <p:ph type="sldImg"/>
+          </p:nvPr>
+        </p:nvSpPr>
+        <p:spPr/>
+      </p:sp>
+      <p:sp>
+        <p:nvSpPr>
+          <p:cNvPr id="3" name="슬라이드 노트 개체 틀 2"/>
+          <p:cNvSpPr>
+            <a:spLocks noGrp="1"/>
+          </p:cNvSpPr>
+          <p:nvPr>
+            <p:ph type="body" idx="1"/>
+          </p:nvPr>
+        </p:nvSpPr>
+        <p:spPr/>
+        <p:txBody>
+          <a:bodyPr/>
+          <a:lstStyle/>
+          <a:p>
+            <a:pPr marL="285750" indent="-285750">
+              <a:buFont typeface="Arial" panose="020B0604020202020204" pitchFamily="34" charset="0"/>
+              <a:buChar char="•"/>
+            </a:pPr>
+            <a:r>
+              <a:rPr lang="ko-KR" altLang="en-US" sz="1200" dirty="0"/>
+              <a:t>단어 </a:t>
+            </a:r>
+            <a:r>
+              <a:rPr lang="en-US" altLang="ko-KR" sz="1200" dirty="0"/>
+              <a:t>W</a:t>
+            </a:r>
+            <a:r>
+              <a:rPr lang="ko-KR" altLang="en-US" sz="1200" dirty="0"/>
+              <a:t>는 음소</a:t>
+            </a:r>
+            <a:r>
+              <a:rPr lang="en-US" altLang="ko-KR" sz="1200" dirty="0"/>
+              <a:t> </a:t>
+            </a:r>
+            <a:r>
+              <a:rPr lang="ko-KR" altLang="en-US" sz="1200" dirty="0"/>
+              <a:t>단위 조합으로 만들어졌다고 보고 일정 간격으로 발생하는 특징 벡터에 대해 그 시점 어떤 음소가 가장 높은 확률을 </a:t>
+            </a:r>
+            <a:r>
+              <a:rPr lang="ko-KR" altLang="en-US" sz="1200" dirty="0" err="1"/>
+              <a:t>가져야하는지</a:t>
+            </a:r>
+            <a:r>
+              <a:rPr lang="ko-KR" altLang="en-US" sz="1200" dirty="0"/>
+              <a:t> 타겟으로 모델 학습</a:t>
+            </a:r>
+            <a:endParaRPr lang="en-US" altLang="ko-KR" sz="1200" dirty="0"/>
+          </a:p>
+          <a:p>
+            <a:pPr marL="285750" indent="-285750">
+              <a:buFont typeface="Arial" panose="020B0604020202020204" pitchFamily="34" charset="0"/>
+              <a:buChar char="•"/>
+            </a:pPr>
+            <a:r>
+              <a:rPr lang="ko-KR" altLang="en-US" sz="1200" dirty="0"/>
+              <a:t>해당 음성 데이터는 무슨 문장을 발성한 것인지 원고가 있어야함 </a:t>
+            </a:r>
+            <a:r>
+              <a:rPr lang="en-US" altLang="ko-KR" sz="1200" dirty="0"/>
+              <a:t>-&gt; </a:t>
+            </a:r>
+            <a:r>
+              <a:rPr lang="ko-KR" altLang="en-US" sz="1200" dirty="0"/>
+              <a:t>이거는 이 문장이고 저거는 저 문장이다</a:t>
+            </a:r>
+            <a:endParaRPr lang="en-US" altLang="ko-KR" sz="1200" dirty="0"/>
+          </a:p>
+          <a:p>
+            <a:pPr marL="285750" indent="-285750">
+              <a:buFont typeface="Arial" panose="020B0604020202020204" pitchFamily="34" charset="0"/>
+              <a:buChar char="•"/>
+            </a:pPr>
+            <a:r>
+              <a:rPr lang="ko-KR" altLang="en-US" sz="1200" dirty="0"/>
+              <a:t>하지만 이는 프로토타입일 뿐</a:t>
+            </a:r>
+            <a:r>
+              <a:rPr lang="en-US" altLang="ko-KR" sz="1200" dirty="0"/>
+              <a:t>, </a:t>
+            </a:r>
+            <a:r>
+              <a:rPr lang="ko-KR" altLang="en-US" sz="1200" dirty="0"/>
+              <a:t>서비스를 하면서 입력되는 로그 데이터를 활용해 실제 사용자 환경을 반영한 음향모델을 학습</a:t>
+            </a:r>
+            <a:endParaRPr lang="en-US" altLang="ko-KR" sz="1200" dirty="0"/>
+          </a:p>
+          <a:p>
+            <a:pPr marL="285750" marR="0" lvl="0" indent="-285750" algn="l" defTabSz="914400" rtl="0" eaLnBrk="1" fontAlgn="auto" latinLnBrk="1" hangingPunct="1">
+              <a:lnSpc>
+                <a:spcPct val="100000"/>
+              </a:lnSpc>
+              <a:spcBef>
+                <a:spcPts val="0"/>
+              </a:spcBef>
+              <a:spcAft>
+                <a:spcPts val="0"/>
+              </a:spcAft>
+              <a:buClrTx/>
+              <a:buSzTx/>
+              <a:buFont typeface="Arial" panose="020B0604020202020204" pitchFamily="34" charset="0"/>
+              <a:buChar char="•"/>
+              <a:tabLst/>
+              <a:defRPr/>
+            </a:pPr>
+            <a:r>
+              <a:rPr lang="ko-KR" altLang="en-US" sz="1200" dirty="0"/>
+              <a:t>카카오라고 발음한다고 가정할 때 음향모델을 이용해 </a:t>
+            </a:r>
+            <a:r>
+              <a:rPr lang="en-US" altLang="ko-KR" sz="1200" dirty="0"/>
+              <a:t>P(X|</a:t>
+            </a:r>
+            <a:r>
+              <a:rPr lang="ko-KR" altLang="en-US" sz="1200" dirty="0"/>
+              <a:t>카카오</a:t>
+            </a:r>
+            <a:r>
+              <a:rPr lang="en-US" altLang="ko-KR" sz="1200" dirty="0"/>
+              <a:t>), P(X|</a:t>
+            </a:r>
+            <a:r>
+              <a:rPr lang="ko-KR" altLang="en-US" sz="1200" dirty="0"/>
+              <a:t>카키색</a:t>
+            </a:r>
+            <a:r>
+              <a:rPr lang="en-US" altLang="ko-KR" sz="1200" dirty="0"/>
+              <a:t>) </a:t>
+            </a:r>
+            <a:r>
+              <a:rPr lang="ko-KR" altLang="en-US" sz="1200" dirty="0"/>
+              <a:t>등의 확률을 구해보면 </a:t>
+            </a:r>
+            <a:r>
+              <a:rPr lang="en-US" altLang="ko-KR" sz="1200" dirty="0"/>
+              <a:t>P(X|</a:t>
+            </a:r>
+            <a:r>
+              <a:rPr lang="ko-KR" altLang="en-US" sz="1200" dirty="0"/>
+              <a:t>카카오</a:t>
+            </a:r>
+            <a:r>
+              <a:rPr lang="en-US" altLang="ko-KR" sz="1200" dirty="0"/>
+              <a:t>)</a:t>
+            </a:r>
+            <a:r>
+              <a:rPr lang="ko-KR" altLang="en-US" sz="1200" dirty="0"/>
+              <a:t>가 가장 높은 </a:t>
+            </a:r>
+            <a:r>
+              <a:rPr lang="ko-KR" altLang="en-US" sz="1200" dirty="0" err="1"/>
+              <a:t>확률값을</a:t>
+            </a:r>
+            <a:r>
+              <a:rPr lang="ko-KR" altLang="en-US" sz="1200" dirty="0"/>
+              <a:t> 보임</a:t>
+            </a:r>
+            <a:endParaRPr lang="en-US" altLang="ko-KR" sz="1200" dirty="0"/>
+          </a:p>
+          <a:p>
+            <a:pPr marL="285750" marR="0" lvl="0" indent="-285750" algn="l" defTabSz="914400" rtl="0" eaLnBrk="1" fontAlgn="auto" latinLnBrk="1" hangingPunct="1">
+              <a:lnSpc>
+                <a:spcPct val="100000"/>
+              </a:lnSpc>
+              <a:spcBef>
+                <a:spcPts val="0"/>
+              </a:spcBef>
+              <a:spcAft>
+                <a:spcPts val="0"/>
+              </a:spcAft>
+              <a:buClrTx/>
+              <a:buSzTx/>
+              <a:buFont typeface="Arial" panose="020B0604020202020204" pitchFamily="34" charset="0"/>
+              <a:buChar char="•"/>
+              <a:tabLst/>
+              <a:defRPr/>
+            </a:pPr>
+            <a:endParaRPr lang="ko-KR" altLang="en-US" dirty="0"/>
+          </a:p>
+          <a:p>
+            <a:pPr marL="285750" indent="-285750">
+              <a:buFont typeface="Arial" panose="020B0604020202020204" pitchFamily="34" charset="0"/>
+              <a:buChar char="•"/>
+            </a:pPr>
+            <a:endParaRPr lang="en-US" altLang="ko-KR" sz="1200" dirty="0"/>
+          </a:p>
+        </p:txBody>
+      </p:sp>
+      <p:sp>
+        <p:nvSpPr>
+          <p:cNvPr id="4" name="슬라이드 번호 개체 틀 3"/>
+          <p:cNvSpPr>
+            <a:spLocks noGrp="1"/>
+          </p:cNvSpPr>
+          <p:nvPr>
+            <p:ph type="sldNum" sz="quarter" idx="5"/>
+          </p:nvPr>
+        </p:nvSpPr>
+        <p:spPr/>
+        <p:txBody>
+          <a:bodyPr/>
+          <a:lstStyle/>
+          <a:p>
+            <a:fld id="{437338BD-3F3B-4523-AE4F-1240ACAAF31E}" type="slidenum">
+              <a:rPr lang="ko-KR" altLang="en-US" smtClean="0"/>
+              <a:t>22</a:t>
+            </a:fld>
+            <a:endParaRPr lang="ko-KR" altLang="en-US"/>
+          </a:p>
+        </p:txBody>
+      </p:sp>
+    </p:spTree>
+    <p:extLst>
+      <p:ext uri="{BB962C8B-B14F-4D97-AF65-F5344CB8AC3E}">
+        <p14:creationId xmlns:p14="http://schemas.microsoft.com/office/powerpoint/2010/main" val="2876892493"/>
+      </p:ext>
+    </p:extLst>
+  </p:cSld>
+  <p:clrMapOvr>
+    <a:masterClrMapping/>
+  </p:clrMapOvr>
+</p:notes>
+</file>
+
+<file path=ppt/notesSlides/notesSlide16.xml><?xml version="1.0" encoding="utf-8"?>
+<p:notes xmlns:a="http://schemas.openxmlformats.org/drawingml/2006/main" xmlns:r="http://schemas.openxmlformats.org/officeDocument/2006/relationships" xmlns:p="http://schemas.openxmlformats.org/presentationml/2006/main">
+  <p:cSld>
+    <p:spTree>
+      <p:nvGrpSpPr>
+        <p:cNvPr id="1" name=""/>
+        <p:cNvGrpSpPr/>
+        <p:nvPr/>
+      </p:nvGrpSpPr>
+      <p:grpSpPr>
+        <a:xfrm>
+          <a:off x="0" y="0"/>
+          <a:ext cx="0" cy="0"/>
+          <a:chOff x="0" y="0"/>
+          <a:chExt cx="0" cy="0"/>
+        </a:xfrm>
+      </p:grpSpPr>
+      <p:sp>
+        <p:nvSpPr>
+          <p:cNvPr id="2" name="슬라이드 이미지 개체 틀 1"/>
+          <p:cNvSpPr>
+            <a:spLocks noGrp="1" noRot="1" noChangeAspect="1"/>
+          </p:cNvSpPr>
+          <p:nvPr>
+            <p:ph type="sldImg"/>
+          </p:nvPr>
+        </p:nvSpPr>
+        <p:spPr/>
+      </p:sp>
+      <p:sp>
+        <p:nvSpPr>
+          <p:cNvPr id="3" name="슬라이드 노트 개체 틀 2"/>
+          <p:cNvSpPr>
+            <a:spLocks noGrp="1"/>
+          </p:cNvSpPr>
+          <p:nvPr>
+            <p:ph type="body" idx="1"/>
+          </p:nvPr>
+        </p:nvSpPr>
+        <p:spPr/>
+        <p:txBody>
+          <a:bodyPr/>
+          <a:lstStyle/>
+          <a:p>
+            <a:r>
+              <a:rPr lang="ko-KR" altLang="en-US" dirty="0"/>
+              <a:t>컨텍스트 벡터를 첫 </a:t>
+            </a:r>
+            <a:r>
+              <a:rPr lang="ko-KR" altLang="en-US" dirty="0" err="1"/>
+              <a:t>은닉층</a:t>
+            </a:r>
+            <a:r>
+              <a:rPr lang="ko-KR" altLang="en-US" dirty="0"/>
+              <a:t> 값으로 받아 언어모델을 생성한다고 생각</a:t>
+            </a:r>
+            <a:endParaRPr lang="en-US" altLang="ko-KR" dirty="0"/>
+          </a:p>
+          <a:p>
+            <a:r>
+              <a:rPr lang="ko-KR" altLang="en-US" dirty="0"/>
+              <a:t>기계번역에 있어 언어모델이 학습되는 과정을 다음 장부터 설명하겠습니다</a:t>
+            </a:r>
+            <a:endParaRPr lang="en-US" altLang="ko-KR" dirty="0"/>
+          </a:p>
+        </p:txBody>
+      </p:sp>
+      <p:sp>
+        <p:nvSpPr>
+          <p:cNvPr id="4" name="슬라이드 번호 개체 틀 3"/>
+          <p:cNvSpPr>
+            <a:spLocks noGrp="1"/>
+          </p:cNvSpPr>
+          <p:nvPr>
+            <p:ph type="sldNum" sz="quarter" idx="5"/>
+          </p:nvPr>
+        </p:nvSpPr>
+        <p:spPr/>
+        <p:txBody>
+          <a:bodyPr/>
+          <a:lstStyle/>
+          <a:p>
+            <a:fld id="{437338BD-3F3B-4523-AE4F-1240ACAAF31E}" type="slidenum">
+              <a:rPr lang="ko-KR" altLang="en-US" smtClean="0"/>
+              <a:t>27</a:t>
+            </a:fld>
+            <a:endParaRPr lang="ko-KR" altLang="en-US"/>
+          </a:p>
+        </p:txBody>
+      </p:sp>
+    </p:spTree>
+    <p:extLst>
+      <p:ext uri="{BB962C8B-B14F-4D97-AF65-F5344CB8AC3E}">
+        <p14:creationId xmlns:p14="http://schemas.microsoft.com/office/powerpoint/2010/main" val="1995534123"/>
+      </p:ext>
+    </p:extLst>
+  </p:cSld>
+  <p:clrMapOvr>
+    <a:masterClrMapping/>
+  </p:clrMapOvr>
+</p:notes>
+</file>
+
+<file path=ppt/notesSlides/notesSlide17.xml><?xml version="1.0" encoding="utf-8"?>
+<p:notes xmlns:a="http://schemas.openxmlformats.org/drawingml/2006/main" xmlns:r="http://schemas.openxmlformats.org/officeDocument/2006/relationships" xmlns:p="http://schemas.openxmlformats.org/presentationml/2006/main">
+  <p:cSld>
+    <p:spTree>
+      <p:nvGrpSpPr>
+        <p:cNvPr id="1" name=""/>
+        <p:cNvGrpSpPr/>
+        <p:nvPr/>
+      </p:nvGrpSpPr>
+      <p:grpSpPr>
+        <a:xfrm>
+          <a:off x="0" y="0"/>
+          <a:ext cx="0" cy="0"/>
+          <a:chOff x="0" y="0"/>
+          <a:chExt cx="0" cy="0"/>
+        </a:xfrm>
+      </p:grpSpPr>
+      <p:sp>
+        <p:nvSpPr>
+          <p:cNvPr id="2" name="슬라이드 이미지 개체 틀 1"/>
+          <p:cNvSpPr>
+            <a:spLocks noGrp="1" noRot="1" noChangeAspect="1"/>
+          </p:cNvSpPr>
+          <p:nvPr>
+            <p:ph type="sldImg"/>
+          </p:nvPr>
+        </p:nvSpPr>
+        <p:spPr/>
+      </p:sp>
+      <p:sp>
+        <p:nvSpPr>
+          <p:cNvPr id="3" name="슬라이드 노트 개체 틀 2"/>
+          <p:cNvSpPr>
+            <a:spLocks noGrp="1"/>
+          </p:cNvSpPr>
+          <p:nvPr>
+            <p:ph type="body" idx="1"/>
+          </p:nvPr>
+        </p:nvSpPr>
+        <p:spPr/>
+        <p:txBody>
+          <a:bodyPr/>
+          <a:lstStyle/>
+          <a:p>
+            <a:r>
+              <a:rPr lang="en-US" altLang="ko-KR" dirty="0"/>
+              <a:t>teacher forcing</a:t>
+            </a:r>
+            <a:r>
+              <a:rPr lang="ko-KR" altLang="en-US" dirty="0"/>
+              <a:t>은 학습이 빠르다는 장점과 노출 편향 문제라는 단점을 갖고 있음</a:t>
+            </a:r>
+            <a:endParaRPr lang="en-US" altLang="ko-KR" dirty="0"/>
+          </a:p>
+          <a:p>
+            <a:pPr marL="171450" indent="-171450">
+              <a:buFontTx/>
+              <a:buChar char="-"/>
+            </a:pPr>
+            <a:r>
+              <a:rPr lang="ko-KR" altLang="en-US" dirty="0"/>
+              <a:t>노출 편향 문제 </a:t>
+            </a:r>
+            <a:r>
+              <a:rPr lang="en-US" altLang="ko-KR" dirty="0"/>
+              <a:t>: </a:t>
+            </a:r>
+            <a:r>
+              <a:rPr lang="ko-KR" altLang="en-US" dirty="0"/>
+              <a:t>추론 과정에서는 </a:t>
+            </a:r>
+            <a:r>
+              <a:rPr lang="en-US" altLang="ko-KR" dirty="0"/>
+              <a:t>Ground Truth</a:t>
+            </a:r>
+            <a:r>
+              <a:rPr lang="ko-KR" altLang="en-US" dirty="0"/>
+              <a:t>를 제공할 수 없기 때문에 학습 단계와 추론 단계에서 차이가 존재하여 모델의 성능과 안정성을 떨어뜨릴 수 있다</a:t>
+            </a:r>
+            <a:r>
+              <a:rPr lang="en-US" altLang="ko-KR" dirty="0"/>
+              <a:t>.</a:t>
+            </a:r>
+            <a:endParaRPr lang="ko-KR" altLang="en-US" dirty="0"/>
+          </a:p>
+        </p:txBody>
+      </p:sp>
+      <p:sp>
+        <p:nvSpPr>
+          <p:cNvPr id="4" name="슬라이드 번호 개체 틀 3"/>
+          <p:cNvSpPr>
+            <a:spLocks noGrp="1"/>
+          </p:cNvSpPr>
+          <p:nvPr>
+            <p:ph type="sldNum" sz="quarter" idx="5"/>
+          </p:nvPr>
+        </p:nvSpPr>
+        <p:spPr/>
+        <p:txBody>
+          <a:bodyPr/>
+          <a:lstStyle/>
+          <a:p>
+            <a:fld id="{437338BD-3F3B-4523-AE4F-1240ACAAF31E}" type="slidenum">
+              <a:rPr lang="ko-KR" altLang="en-US" smtClean="0"/>
+              <a:t>31</a:t>
+            </a:fld>
+            <a:endParaRPr lang="ko-KR" altLang="en-US"/>
+          </a:p>
+        </p:txBody>
+      </p:sp>
+    </p:spTree>
+    <p:extLst>
+      <p:ext uri="{BB962C8B-B14F-4D97-AF65-F5344CB8AC3E}">
+        <p14:creationId xmlns:p14="http://schemas.microsoft.com/office/powerpoint/2010/main" val="3387647970"/>
+      </p:ext>
+    </p:extLst>
+  </p:cSld>
+  <p:clrMapOvr>
+    <a:masterClrMapping/>
+  </p:clrMapOvr>
+</p:notes>
+</file>
+
+<file path=ppt/notesSlides/notesSlide18.xml><?xml version="1.0" encoding="utf-8"?>
+<p:notes xmlns:a="http://schemas.openxmlformats.org/drawingml/2006/main" xmlns:r="http://schemas.openxmlformats.org/officeDocument/2006/relationships" xmlns:p="http://schemas.openxmlformats.org/presentationml/2006/main">
+  <p:cSld>
+    <p:spTree>
+      <p:nvGrpSpPr>
+        <p:cNvPr id="1" name=""/>
+        <p:cNvGrpSpPr/>
+        <p:nvPr/>
+      </p:nvGrpSpPr>
+      <p:grpSpPr>
+        <a:xfrm>
+          <a:off x="0" y="0"/>
+          <a:ext cx="0" cy="0"/>
+          <a:chOff x="0" y="0"/>
+          <a:chExt cx="0" cy="0"/>
+        </a:xfrm>
+      </p:grpSpPr>
+      <p:sp>
+        <p:nvSpPr>
+          <p:cNvPr id="2" name="슬라이드 이미지 개체 틀 1"/>
+          <p:cNvSpPr>
+            <a:spLocks noGrp="1" noRot="1" noChangeAspect="1"/>
+          </p:cNvSpPr>
+          <p:nvPr>
+            <p:ph type="sldImg"/>
+          </p:nvPr>
+        </p:nvSpPr>
+        <p:spPr/>
+      </p:sp>
+      <p:sp>
+        <p:nvSpPr>
+          <p:cNvPr id="3" name="슬라이드 노트 개체 틀 2"/>
+          <p:cNvSpPr>
+            <a:spLocks noGrp="1"/>
+          </p:cNvSpPr>
+          <p:nvPr>
+            <p:ph type="body" idx="1"/>
+          </p:nvPr>
+        </p:nvSpPr>
+        <p:spPr/>
+        <p:txBody>
+          <a:bodyPr/>
+          <a:lstStyle/>
+          <a:p>
+            <a:r>
               <a:rPr lang="ko-KR" altLang="en-US" dirty="0"/>
               <a:t>연속 슬라이드</a:t>
             </a:r>
             <a:endParaRPr lang="en-US" altLang="ko-KR" dirty="0"/>
-          </a:p>
-          <a:p>
-            <a:r>
-              <a:rPr lang="ko-KR" altLang="en-US" dirty="0"/>
-              <a:t>출력 과정</a:t>
-            </a:r>
           </a:p>
         </p:txBody>
       </p:sp>
@@ -800,34 +1722,103 @@
           <a:lstStyle/>
           <a:p>
             <a:r>
+              <a:rPr lang="ko-KR" altLang="en-US" dirty="0"/>
+              <a:t>갖고 있는 코퍼스에서 </a:t>
+            </a:r>
+            <a:r>
               <a:rPr lang="en-US" altLang="ko-KR" dirty="0"/>
-              <a:t>1</a:t>
+              <a:t>boy is </a:t>
+            </a:r>
+            <a:r>
+              <a:rPr lang="en-US" altLang="ko-KR" dirty="0" err="1"/>
+              <a:t>spreadin</a:t>
             </a:r>
             <a:r>
               <a:rPr lang="ko-KR" altLang="en-US" dirty="0"/>
-              <a:t>번과 </a:t>
+              <a:t>이 </a:t>
             </a:r>
             <a:r>
               <a:rPr lang="en-US" altLang="ko-KR" dirty="0"/>
-              <a:t>2</a:t>
+              <a:t>1,000</a:t>
             </a:r>
             <a:r>
               <a:rPr lang="ko-KR" altLang="en-US" dirty="0"/>
-              <a:t>번은 원리가 비슷하기 때문에 </a:t>
+              <a:t>번 등장했다고 하자</a:t>
             </a:r>
             <a:r>
               <a:rPr lang="en-US" altLang="ko-KR" dirty="0"/>
-              <a:t>1</a:t>
+              <a:t>, </a:t>
             </a:r>
             <a:r>
               <a:rPr lang="ko-KR" altLang="en-US" dirty="0"/>
-              <a:t>번만 보고 </a:t>
-            </a:r>
-            <a:r>
-              <a:rPr lang="ko-KR" altLang="en-US" dirty="0" err="1"/>
-              <a:t>넘어감</a:t>
-            </a:r>
-            <a:endParaRPr lang="ko-KR" altLang="en-US" dirty="0"/>
+              <a:t>그리고 </a:t>
+            </a:r>
+            <a:r>
+              <a:rPr lang="en-US" altLang="ko-KR" dirty="0"/>
+              <a:t>boy is spreading insults</a:t>
+            </a:r>
+            <a:r>
+              <a:rPr lang="ko-KR" altLang="en-US" dirty="0"/>
+              <a:t>가 </a:t>
+            </a:r>
+            <a:r>
+              <a:rPr lang="en-US" altLang="ko-KR" dirty="0"/>
+              <a:t>500</a:t>
+            </a:r>
+            <a:r>
+              <a:rPr lang="ko-KR" altLang="en-US" dirty="0"/>
+              <a:t>번 등장하고 </a:t>
+            </a:r>
+            <a:r>
+              <a:rPr lang="en-US" altLang="ko-KR" dirty="0"/>
+              <a:t>~smiles</a:t>
+            </a:r>
+            <a:r>
+              <a:rPr lang="ko-KR" altLang="en-US" dirty="0"/>
+              <a:t>가 </a:t>
+            </a:r>
+            <a:r>
+              <a:rPr lang="en-US" altLang="ko-KR" dirty="0"/>
+              <a:t>200</a:t>
+            </a:r>
+            <a:r>
+              <a:rPr lang="ko-KR" altLang="en-US" dirty="0"/>
+              <a:t>번 등장했다고 하면 우리는 </a:t>
+            </a:r>
+            <a:r>
+              <a:rPr lang="en-US" altLang="ko-KR" dirty="0"/>
+              <a:t>insults</a:t>
+            </a:r>
+            <a:r>
+              <a:rPr lang="ko-KR" altLang="en-US" dirty="0"/>
+              <a:t>가 더 맞다고 판단</a:t>
+            </a:r>
+            <a:endParaRPr lang="en-US" altLang="ko-KR" dirty="0"/>
+          </a:p>
+          <a:p>
+            <a:r>
+              <a:rPr lang="ko-KR" altLang="en-US" dirty="0"/>
+              <a:t>하지만 앞의 문맥은 판단하지 않기 때문에 잘못된 단어가 올 가능성 높아짐 </a:t>
+            </a:r>
+            <a:endParaRPr lang="en-US" altLang="ko-KR" dirty="0"/>
+          </a:p>
+          <a:p>
+            <a:r>
+              <a:rPr lang="en-US" altLang="ko-KR" dirty="0"/>
+              <a:t>4-gram </a:t>
+            </a:r>
+            <a:r>
+              <a:rPr lang="ko-KR" altLang="en-US" dirty="0"/>
+              <a:t>언어모델이라고 했을 경우 </a:t>
+            </a:r>
+            <a:r>
+              <a:rPr lang="en-US" altLang="ko-KR" dirty="0"/>
+              <a:t>n-1</a:t>
+            </a:r>
+            <a:r>
+              <a:rPr lang="ko-KR" altLang="en-US" dirty="0"/>
+              <a:t>개의 단어를 보고 다음 단어를 판단하기 때문에 앞의 단어들은 무시됨</a:t>
+            </a:r>
           </a:p>
         </p:txBody>
       </p:sp>
@@ -848,7 +1839,7 @@
           <a:p>
             <a:fld id="{437338BD-3F3B-4523-AE4F-1240ACAAF31E}" type="slidenum">
               <a:rPr lang="ko-KR" altLang="en-US" smtClean="0"/>
-              <a:t>9</a:t>
+              <a:t>5</a:t>
             </a:fld>
             <a:endParaRPr lang="ko-KR" altLang="en-US"/>
           </a:p>
@@ -857,7 +1848,7 @@
     </p:spTree>
     <p:extLst>
       <p:ext uri="{BB962C8B-B14F-4D97-AF65-F5344CB8AC3E}">
-        <p14:creationId xmlns:p14="http://schemas.microsoft.com/office/powerpoint/2010/main" val="774922016"/>
+        <p14:creationId xmlns:p14="http://schemas.microsoft.com/office/powerpoint/2010/main" val="1852290755"/>
       </p:ext>
     </p:extLst>
   </p:cSld>
@@ -911,50 +1902,62 @@
           <a:bodyPr/>
           <a:lstStyle/>
           <a:p>
-            <a:r>
-              <a:rPr lang="ko-KR" altLang="en-US" dirty="0"/>
-              <a:t>그러니까 잘못 </a:t>
-            </a:r>
-            <a:r>
-              <a:rPr lang="ko-KR" altLang="en-US" dirty="0" err="1"/>
-              <a:t>스펠링된</a:t>
-            </a:r>
-            <a:r>
-              <a:rPr lang="ko-KR" altLang="en-US" dirty="0"/>
-              <a:t> 단어</a:t>
-            </a:r>
-            <a:r>
-              <a:rPr lang="en-US" altLang="ko-KR" dirty="0"/>
-              <a:t>(</a:t>
-            </a:r>
-            <a:r>
-              <a:rPr lang="en-US" altLang="ko-KR" dirty="0" err="1"/>
-              <a:t>graffe</a:t>
-            </a:r>
-            <a:r>
-              <a:rPr lang="en-US" altLang="ko-KR" dirty="0"/>
-              <a:t>)</a:t>
-            </a:r>
-            <a:r>
-              <a:rPr lang="ko-KR" altLang="en-US" dirty="0"/>
-              <a:t>를 보고 잘못 </a:t>
-            </a:r>
-            <a:r>
-              <a:rPr lang="ko-KR" altLang="en-US" dirty="0" err="1"/>
-              <a:t>스펠링된</a:t>
-            </a:r>
-            <a:r>
-              <a:rPr lang="ko-KR" altLang="en-US" dirty="0"/>
-              <a:t> 단어를 생성시키는 단어</a:t>
-            </a:r>
-            <a:r>
-              <a:rPr lang="en-US" altLang="ko-KR" dirty="0"/>
-              <a:t>(giraffe)</a:t>
-            </a:r>
-            <a:r>
-              <a:rPr lang="ko-KR" altLang="en-US" dirty="0"/>
-              <a:t>를 찾는다는 뜻</a:t>
-            </a:r>
+            <a:pPr marL="0" marR="0" lvl="0" indent="0" algn="l" defTabSz="914400" rtl="0" eaLnBrk="1" fontAlgn="auto" latinLnBrk="1" hangingPunct="1">
+              <a:lnSpc>
+                <a:spcPct val="100000"/>
+              </a:lnSpc>
+              <a:spcBef>
+                <a:spcPts val="0"/>
+              </a:spcBef>
+              <a:spcAft>
+                <a:spcPts val="0"/>
+              </a:spcAft>
+              <a:buClrTx/>
+              <a:buSzTx/>
+              <a:buFontTx/>
+              <a:buNone/>
+              <a:tabLst/>
+              <a:defRPr/>
+            </a:pPr>
+            <a:r>
+              <a:rPr lang="en-US" altLang="ko-KR" sz="1200" dirty="0"/>
+              <a:t>window</a:t>
+            </a:r>
+            <a:r>
+              <a:rPr lang="ko-KR" altLang="en-US" sz="1200" dirty="0"/>
+              <a:t> 사이즈는 다음의 단어를 예측하기 위해 사용되는 앞의 </a:t>
+            </a:r>
+            <a:r>
+              <a:rPr lang="en-US" altLang="ko-KR" sz="1200" dirty="0"/>
+              <a:t>n</a:t>
+            </a:r>
+            <a:r>
+              <a:rPr lang="ko-KR" altLang="en-US" sz="1200" dirty="0"/>
+              <a:t>개의 단어로 </a:t>
+            </a:r>
+            <a:r>
+              <a:rPr lang="en-US" altLang="ko-KR" sz="1200" dirty="0"/>
+              <a:t>n-gram</a:t>
+            </a:r>
+            <a:r>
+              <a:rPr lang="ko-KR" altLang="en-US" sz="1200" dirty="0"/>
+              <a:t>과 비슷한 개념이라고 이해</a:t>
+            </a:r>
+            <a:r>
+              <a:rPr lang="en-US" altLang="ko-KR" sz="1200" dirty="0"/>
+              <a:t>. </a:t>
+            </a:r>
+            <a:r>
+              <a:rPr lang="ko-KR" altLang="en-US" sz="1200" dirty="0"/>
+              <a:t>이 경우에는 </a:t>
+            </a:r>
+            <a:r>
+              <a:rPr lang="en-US" altLang="ko-KR" sz="1200" dirty="0"/>
+              <a:t>5-gram</a:t>
+            </a:r>
+          </a:p>
+          <a:p>
+            <a:endParaRPr lang="ko-KR" altLang="en-US" dirty="0"/>
           </a:p>
         </p:txBody>
       </p:sp>
@@ -975,7 +1978,7 @@
           <a:p>
             <a:fld id="{437338BD-3F3B-4523-AE4F-1240ACAAF31E}" type="slidenum">
               <a:rPr lang="ko-KR" altLang="en-US" smtClean="0"/>
-              <a:t>10</a:t>
+              <a:t>6</a:t>
             </a:fld>
             <a:endParaRPr lang="ko-KR" altLang="en-US"/>
           </a:p>
@@ -984,7 +1987,7 @@
     </p:spTree>
     <p:extLst>
       <p:ext uri="{BB962C8B-B14F-4D97-AF65-F5344CB8AC3E}">
-        <p14:creationId xmlns:p14="http://schemas.microsoft.com/office/powerpoint/2010/main" val="2438806988"/>
+        <p14:creationId xmlns:p14="http://schemas.microsoft.com/office/powerpoint/2010/main" val="925147264"/>
       </p:ext>
     </p:extLst>
   </p:cSld>
@@ -1038,62 +2041,60 @@
           <a:bodyPr/>
           <a:lstStyle/>
           <a:p>
-            <a:pPr marL="285750" indent="-285750">
-              <a:buFont typeface="Arial" panose="020B0604020202020204" pitchFamily="34" charset="0"/>
-              <a:buChar char="•"/>
-            </a:pPr>
-            <a:r>
-              <a:rPr lang="en-KR" altLang="ko-KR" dirty="0"/>
-              <a:t>p(x)</a:t>
-            </a:r>
-            <a:r>
-              <a:rPr lang="ko-KR" altLang="en-US"/>
-              <a:t>는 각 단어들에서 변하지 않음</a:t>
+            <a:r>
+              <a:rPr lang="en-US" altLang="ko-KR" dirty="0"/>
+              <a:t>1</a:t>
+            </a:r>
+            <a:r>
+              <a:rPr lang="ko-KR" altLang="en-US" dirty="0"/>
+              <a:t>번과 </a:t>
+            </a:r>
+            <a:r>
+              <a:rPr lang="en-US" altLang="ko-KR" dirty="0"/>
+              <a:t>2</a:t>
+            </a:r>
+            <a:r>
+              <a:rPr lang="ko-KR" altLang="en-US" dirty="0"/>
+              <a:t>번은 원리가 비슷하기 때문에 </a:t>
+            </a:r>
+            <a:r>
+              <a:rPr lang="en-US" altLang="ko-KR" dirty="0"/>
+              <a:t>1</a:t>
+            </a:r>
+            <a:r>
+              <a:rPr lang="ko-KR" altLang="en-US" dirty="0"/>
+              <a:t>번만 보고 </a:t>
+            </a:r>
+            <a:r>
+              <a:rPr lang="ko-KR" altLang="en-US" dirty="0" err="1"/>
+              <a:t>넘어감</a:t>
             </a:r>
             <a:endParaRPr lang="en-US" altLang="ko-KR" dirty="0"/>
           </a:p>
           <a:p>
             <a:r>
+              <a:rPr lang="en-US" altLang="ko-KR" dirty="0"/>
+              <a:t>Noisy</a:t>
+            </a:r>
+            <a:r>
               <a:rPr lang="ko-KR" altLang="en-US" dirty="0"/>
-              <a:t>항상 관찰된 에러 </a:t>
+              <a:t> </a:t>
             </a:r>
             <a:r>
               <a:rPr lang="en-US" altLang="ko-KR" dirty="0"/>
-              <a:t>x</a:t>
+              <a:t>Channel</a:t>
             </a:r>
             <a:r>
               <a:rPr lang="ko-KR" altLang="en-US" dirty="0"/>
-              <a:t>에 대해 </a:t>
-            </a:r>
-            <a:r>
-              <a:rPr lang="ko-KR" altLang="en-US" dirty="0" err="1"/>
-              <a:t>있음직한</a:t>
+              <a:t> </a:t>
+            </a:r>
+            <a:r>
+              <a:rPr lang="en-US" altLang="ko-KR" dirty="0"/>
+              <a:t>Model</a:t>
             </a:r>
             <a:r>
               <a:rPr lang="ko-KR" altLang="en-US" dirty="0"/>
-              <a:t> 단어를 알아보기 때문에 </a:t>
-            </a:r>
-            <a:r>
-              <a:rPr lang="en-US" altLang="ko-KR" dirty="0"/>
-              <a:t>p(x)</a:t>
-            </a:r>
-            <a:r>
-              <a:rPr lang="ko-KR" altLang="en-US" dirty="0"/>
-              <a:t>에 대해 같은 확률을 가짐</a:t>
-            </a:r>
-            <a:r>
-              <a:rPr lang="en-US" altLang="ko-KR" dirty="0"/>
-              <a:t>.</a:t>
-            </a:r>
-            <a:endParaRPr lang="en-KR" altLang="ko-KR" dirty="0"/>
-          </a:p>
-          <a:p>
-            <a:endParaRPr lang="en-US" altLang="ko-KR" dirty="0"/>
-          </a:p>
-          <a:p>
-            <a:r>
-              <a:rPr lang="ko-KR" altLang="en-US" dirty="0"/>
-              <a:t>노이지 채널은 통계적인 언어모델이 사용되는 대부분의 응용 모델에서 사용됨</a:t>
+              <a:t>에 대해선 다음 페이지</a:t>
             </a:r>
           </a:p>
         </p:txBody>
@@ -1115,7 +2116,7 @@
           <a:p>
             <a:fld id="{437338BD-3F3B-4523-AE4F-1240ACAAF31E}" type="slidenum">
               <a:rPr lang="ko-KR" altLang="en-US" smtClean="0"/>
-              <a:t>11</a:t>
+              <a:t>9</a:t>
             </a:fld>
             <a:endParaRPr lang="ko-KR" altLang="en-US"/>
           </a:p>
@@ -1124,7 +2125,7 @@
     </p:spTree>
     <p:extLst>
       <p:ext uri="{BB962C8B-B14F-4D97-AF65-F5344CB8AC3E}">
-        <p14:creationId xmlns:p14="http://schemas.microsoft.com/office/powerpoint/2010/main" val="2501355691"/>
+        <p14:creationId xmlns:p14="http://schemas.microsoft.com/office/powerpoint/2010/main" val="774922016"/>
       </p:ext>
     </p:extLst>
   </p:cSld>
@@ -1179,47 +2180,48 @@
           <a:lstStyle/>
           <a:p>
             <a:r>
+              <a:rPr lang="ko-KR" altLang="en-US" dirty="0"/>
+              <a:t>그러니까 잘못 </a:t>
+            </a:r>
+            <a:r>
               <a:rPr lang="ko-KR" altLang="en-US" dirty="0" err="1"/>
-              <a:t>다메라우</a:t>
+              <a:t>스펠링된</a:t>
             </a:r>
             <a:r>
               <a:rPr lang="ko-KR" altLang="en-US" dirty="0"/>
-              <a:t> </a:t>
+              <a:t> 단어</a:t>
+            </a:r>
+            <a:r>
+              <a:rPr lang="en-US" altLang="ko-KR" dirty="0"/>
+              <a:t>(</a:t>
+            </a:r>
+            <a:r>
+              <a:rPr lang="en-US" altLang="ko-KR" dirty="0" err="1"/>
+              <a:t>graffe</a:t>
+            </a:r>
+            <a:r>
+              <a:rPr lang="en-US" altLang="ko-KR" dirty="0"/>
+              <a:t>)</a:t>
+            </a:r>
+            <a:r>
+              <a:rPr lang="ko-KR" altLang="en-US" dirty="0"/>
+              <a:t>를 보고 잘못 </a:t>
             </a:r>
             <a:r>
               <a:rPr lang="ko-KR" altLang="en-US" dirty="0" err="1"/>
-              <a:t>레벤슈타인</a:t>
+              <a:t>스펠링된</a:t>
             </a:r>
             <a:r>
               <a:rPr lang="ko-KR" altLang="en-US" dirty="0"/>
-              <a:t> 편집 거리</a:t>
-            </a:r>
-            <a:endParaRPr lang="en-US" altLang="ko-KR" dirty="0"/>
-          </a:p>
-          <a:p>
-            <a:r>
-              <a:rPr lang="ko-KR" altLang="en-US" dirty="0" err="1"/>
-              <a:t>다메라우</a:t>
+              <a:t> 단어를 생성시키는 단어</a:t>
+            </a:r>
+            <a:r>
+              <a:rPr lang="en-US" altLang="ko-KR" dirty="0"/>
+              <a:t>(giraffe)</a:t>
             </a:r>
             <a:r>
               <a:rPr lang="ko-KR" altLang="en-US" dirty="0"/>
-              <a:t> </a:t>
-            </a:r>
-            <a:r>
-              <a:rPr lang="ko-KR" altLang="en-US" dirty="0" err="1"/>
-              <a:t>레벤슈타인</a:t>
-            </a:r>
-            <a:r>
-              <a:rPr lang="ko-KR" altLang="en-US" dirty="0"/>
-              <a:t> 편집 거리를 통해 </a:t>
-            </a:r>
-            <a:r>
-              <a:rPr lang="en-US" altLang="ko-KR" dirty="0"/>
-              <a:t>input word</a:t>
-            </a:r>
-            <a:r>
-              <a:rPr lang="ko-KR" altLang="en-US" dirty="0"/>
-              <a:t>와 유사한 스펠링을 가진 단어 후보자를 찾음</a:t>
+              <a:t>를 찾는다는 뜻</a:t>
             </a:r>
           </a:p>
         </p:txBody>
@@ -1241,7 +2243,7 @@
           <a:p>
             <a:fld id="{437338BD-3F3B-4523-AE4F-1240ACAAF31E}" type="slidenum">
               <a:rPr lang="ko-KR" altLang="en-US" smtClean="0"/>
-              <a:t>12</a:t>
+              <a:t>10</a:t>
             </a:fld>
             <a:endParaRPr lang="ko-KR" altLang="en-US"/>
           </a:p>
@@ -1250,7 +2252,7 @@
     </p:spTree>
     <p:extLst>
       <p:ext uri="{BB962C8B-B14F-4D97-AF65-F5344CB8AC3E}">
-        <p14:creationId xmlns:p14="http://schemas.microsoft.com/office/powerpoint/2010/main" val="3768660007"/>
+        <p14:creationId xmlns:p14="http://schemas.microsoft.com/office/powerpoint/2010/main" val="2438806988"/>
       </p:ext>
     </p:extLst>
   </p:cSld>
@@ -1304,13 +2306,62 @@
           <a:bodyPr/>
           <a:lstStyle/>
           <a:p>
+            <a:pPr marL="285750" indent="-285750">
+              <a:buFont typeface="Arial" panose="020B0604020202020204" pitchFamily="34" charset="0"/>
+              <a:buChar char="•"/>
+            </a:pPr>
+            <a:r>
+              <a:rPr lang="en-KR" altLang="ko-KR" dirty="0"/>
+              <a:t>p(x)</a:t>
+            </a:r>
+            <a:r>
+              <a:rPr lang="ko-KR" altLang="en-US"/>
+              <a:t>는 각 단어들에서 변하지 않음</a:t>
+            </a:r>
+            <a:endParaRPr lang="en-US" altLang="ko-KR" dirty="0"/>
+          </a:p>
+          <a:p>
+            <a:r>
+              <a:rPr lang="ko-KR" altLang="en-US" dirty="0"/>
+              <a:t>항상 관찰된 에러 </a:t>
+            </a:r>
             <a:r>
               <a:rPr lang="en-US" altLang="ko-KR" dirty="0"/>
-              <a:t>p(w)</a:t>
+              <a:t>x</a:t>
             </a:r>
             <a:r>
               <a:rPr lang="ko-KR" altLang="en-US" dirty="0"/>
-              <a:t>의 값은 카운트 기반을 사용하기 때문에 구하기 쉬움</a:t>
+              <a:t>에 대해 </a:t>
+            </a:r>
+            <a:r>
+              <a:rPr lang="ko-KR" altLang="en-US" dirty="0" err="1"/>
+              <a:t>있음직한</a:t>
+            </a:r>
+            <a:r>
+              <a:rPr lang="ko-KR" altLang="en-US" dirty="0"/>
+              <a:t> 단어를 알아보기 때문에 </a:t>
+            </a:r>
+            <a:r>
+              <a:rPr lang="en-US" altLang="ko-KR" dirty="0"/>
+              <a:t>p(x)</a:t>
+            </a:r>
+            <a:r>
+              <a:rPr lang="ko-KR" altLang="en-US" dirty="0"/>
+              <a:t>에 대해 같은 확률을 가짐</a:t>
+            </a:r>
+            <a:r>
+              <a:rPr lang="en-US" altLang="ko-KR" dirty="0"/>
+              <a:t>.</a:t>
+            </a:r>
+            <a:endParaRPr lang="en-KR" altLang="ko-KR" dirty="0"/>
+          </a:p>
+          <a:p>
+            <a:endParaRPr lang="en-US" altLang="ko-KR" dirty="0"/>
+          </a:p>
+          <a:p>
+            <a:r>
+              <a:rPr lang="ko-KR" altLang="en-US" dirty="0"/>
+              <a:t>노이지 채널은 통계적인 언어모델이 사용되는 대부분의 응용 모델에서 사용됨</a:t>
             </a:r>
           </a:p>
         </p:txBody>
@@ -1332,7 +2383,7 @@
           <a:p>
             <a:fld id="{437338BD-3F3B-4523-AE4F-1240ACAAF31E}" type="slidenum">
               <a:rPr lang="ko-KR" altLang="en-US" smtClean="0"/>
-              <a:t>13</a:t>
+              <a:t>11</a:t>
             </a:fld>
             <a:endParaRPr lang="ko-KR" altLang="en-US"/>
           </a:p>
@@ -1341,7 +2392,7 @@
     </p:spTree>
     <p:extLst>
       <p:ext uri="{BB962C8B-B14F-4D97-AF65-F5344CB8AC3E}">
-        <p14:creationId xmlns:p14="http://schemas.microsoft.com/office/powerpoint/2010/main" val="1202957480"/>
+        <p14:creationId xmlns:p14="http://schemas.microsoft.com/office/powerpoint/2010/main" val="2501355691"/>
       </p:ext>
     </p:extLst>
   </p:cSld>
@@ -1395,117 +2446,49 @@
           <a:bodyPr/>
           <a:lstStyle/>
           <a:p>
-            <a:pPr marL="285750" indent="-285750">
-              <a:buFont typeface="Arial" panose="020B0604020202020204" pitchFamily="34" charset="0"/>
-              <a:buChar char="•"/>
-            </a:pPr>
-            <a:r>
-              <a:rPr lang="ko-KR" altLang="en-US" sz="1200" dirty="0"/>
-              <a:t>단어 </a:t>
-            </a:r>
-            <a:r>
-              <a:rPr lang="en-US" altLang="ko-KR" sz="1200" dirty="0"/>
-              <a:t>W</a:t>
-            </a:r>
-            <a:r>
-              <a:rPr lang="ko-KR" altLang="en-US" sz="1200" dirty="0"/>
-              <a:t>는 음소</a:t>
-            </a:r>
-            <a:r>
-              <a:rPr lang="en-US" altLang="ko-KR" sz="1200" dirty="0"/>
+            <a:r>
+              <a:rPr lang="ko-KR" altLang="en-US" dirty="0" err="1"/>
+              <a:t>다메라우</a:t>
+            </a:r>
+            <a:r>
+              <a:rPr lang="ko-KR" altLang="en-US" dirty="0"/>
               <a:t> </a:t>
             </a:r>
             <a:r>
-              <a:rPr lang="ko-KR" altLang="en-US" sz="1200" dirty="0"/>
-              <a:t>단위 조합으로 만들어졌다고 보고 일정 간격으로 발생하는 특징 벡터에 대해 그 시점 어떤 음소가 가장 높은 확률을 </a:t>
-            </a:r>
-            <a:r>
-              <a:rPr lang="ko-KR" altLang="en-US" sz="1200" dirty="0" err="1"/>
-              <a:t>가져야하는지</a:t>
-            </a:r>
-            <a:r>
-              <a:rPr lang="ko-KR" altLang="en-US" sz="1200" dirty="0"/>
-              <a:t> 타겟으로 모델 학습</a:t>
-            </a:r>
-            <a:endParaRPr lang="en-US" altLang="ko-KR" sz="1200" dirty="0"/>
-          </a:p>
-          <a:p>
-            <a:pPr marL="285750" indent="-285750">
-              <a:buFont typeface="Arial" panose="020B0604020202020204" pitchFamily="34" charset="0"/>
-              <a:buChar char="•"/>
-            </a:pPr>
-            <a:r>
-              <a:rPr lang="ko-KR" altLang="en-US" sz="1200" dirty="0"/>
-              <a:t>해당 음성 데이터는 무슨 문장을 발성한 것인지 원고가 있어야함 </a:t>
-            </a:r>
-            <a:r>
-              <a:rPr lang="en-US" altLang="ko-KR" sz="1200" dirty="0"/>
-              <a:t>-&gt; </a:t>
-            </a:r>
-            <a:r>
-              <a:rPr lang="ko-KR" altLang="en-US" sz="1200" dirty="0"/>
-              <a:t>이거는 이 문장이고 저거는 저 문장이다</a:t>
-            </a:r>
-            <a:endParaRPr lang="en-US" altLang="ko-KR" sz="1200" dirty="0"/>
-          </a:p>
-          <a:p>
-            <a:pPr marL="285750" indent="-285750">
-              <a:buFont typeface="Arial" panose="020B0604020202020204" pitchFamily="34" charset="0"/>
-              <a:buChar char="•"/>
-            </a:pPr>
-            <a:r>
-              <a:rPr lang="ko-KR" altLang="en-US" sz="1200" dirty="0"/>
-              <a:t>카카오라고 발음한다고 가정할 때 음향모델을 이용해 </a:t>
-            </a:r>
-            <a:r>
-              <a:rPr lang="en-US" altLang="ko-KR" sz="1200" dirty="0"/>
-              <a:t>P(X|</a:t>
-            </a:r>
-            <a:r>
-              <a:rPr lang="ko-KR" altLang="en-US" sz="1200" dirty="0"/>
-              <a:t>카카오</a:t>
-            </a:r>
-            <a:r>
-              <a:rPr lang="en-US" altLang="ko-KR" sz="1200" dirty="0"/>
-              <a:t>), P(X|</a:t>
-            </a:r>
-            <a:r>
-              <a:rPr lang="ko-KR" altLang="en-US" sz="1200" dirty="0"/>
-              <a:t>카키색</a:t>
-            </a:r>
-            <a:r>
-              <a:rPr lang="en-US" altLang="ko-KR" sz="1200" dirty="0"/>
-              <a:t>) </a:t>
-            </a:r>
-            <a:r>
-              <a:rPr lang="ko-KR" altLang="en-US" sz="1200" dirty="0"/>
-              <a:t>등의 확률을 구해보면 </a:t>
-            </a:r>
-            <a:r>
-              <a:rPr lang="en-US" altLang="ko-KR" sz="1200" dirty="0"/>
-              <a:t>P(X|</a:t>
-            </a:r>
-            <a:r>
-              <a:rPr lang="ko-KR" altLang="en-US" sz="1200" dirty="0"/>
-              <a:t>카카오</a:t>
-            </a:r>
-            <a:r>
-              <a:rPr lang="en-US" altLang="ko-KR" sz="1200" dirty="0"/>
-              <a:t>)</a:t>
-            </a:r>
-            <a:r>
-              <a:rPr lang="ko-KR" altLang="en-US" sz="1200" dirty="0"/>
-              <a:t>가 가장 높은 </a:t>
-            </a:r>
-            <a:r>
-              <a:rPr lang="ko-KR" altLang="en-US" sz="1200" dirty="0" err="1"/>
-              <a:t>확률값을</a:t>
-            </a:r>
-            <a:r>
-              <a:rPr lang="ko-KR" altLang="en-US" sz="1200" dirty="0"/>
-              <a:t> 보임</a:t>
-            </a:r>
-            <a:endParaRPr lang="ko-KR" altLang="en-US" dirty="0"/>
+              <a:rPr lang="ko-KR" altLang="en-US" dirty="0" err="1"/>
+              <a:t>레벤슈타인</a:t>
+            </a:r>
+            <a:r>
+              <a:rPr lang="ko-KR" altLang="en-US" dirty="0"/>
+              <a:t> 편집 거리</a:t>
+            </a:r>
+            <a:endParaRPr lang="en-US" altLang="ko-KR" dirty="0"/>
+          </a:p>
+          <a:p>
+            <a:r>
+              <a:rPr lang="ko-KR" altLang="en-US" dirty="0" err="1"/>
+              <a:t>다메라우</a:t>
+            </a:r>
+            <a:r>
+              <a:rPr lang="ko-KR" altLang="en-US" dirty="0"/>
+              <a:t> </a:t>
+            </a:r>
+            <a:r>
+              <a:rPr lang="ko-KR" altLang="en-US" dirty="0" err="1"/>
+              <a:t>레벤슈타인</a:t>
+            </a:r>
+            <a:r>
+              <a:rPr lang="ko-KR" altLang="en-US" dirty="0"/>
+              <a:t> 편집 거리를 통해 </a:t>
+            </a:r>
+            <a:r>
+              <a:rPr lang="en-US" altLang="ko-KR" dirty="0"/>
+              <a:t>input word</a:t>
+            </a:r>
+            <a:r>
+              <a:rPr lang="ko-KR" altLang="en-US" dirty="0"/>
+              <a:t>와 유사한 스펠링을 가진 단어 후보자를 찾음</a:t>
+            </a:r>
           </a:p>
         </p:txBody>
       </p:sp>
@@ -1526,7 +2509,7 @@
           <a:p>
             <a:fld id="{437338BD-3F3B-4523-AE4F-1240ACAAF31E}" type="slidenum">
               <a:rPr lang="ko-KR" altLang="en-US" smtClean="0"/>
-              <a:t>22</a:t>
+              <a:t>12</a:t>
             </a:fld>
             <a:endParaRPr lang="ko-KR" altLang="en-US"/>
           </a:p>
@@ -1535,7 +2518,7 @@
     </p:spTree>
     <p:extLst>
       <p:ext uri="{BB962C8B-B14F-4D97-AF65-F5344CB8AC3E}">
-        <p14:creationId xmlns:p14="http://schemas.microsoft.com/office/powerpoint/2010/main" val="2876892493"/>
+        <p14:creationId xmlns:p14="http://schemas.microsoft.com/office/powerpoint/2010/main" val="3768660007"/>
       </p:ext>
     </p:extLst>
   </p:cSld>
@@ -1591,17 +2574,12 @@
           <a:p>
             <a:r>
               <a:rPr lang="en-US" altLang="ko-KR" dirty="0"/>
-              <a:t>RNNLM</a:t>
+              <a:t>p(w)</a:t>
             </a:r>
             <a:r>
               <a:rPr lang="ko-KR" altLang="en-US" dirty="0"/>
-              <a:t>은 교사 강요를 통해 훈련되는데 그에 대해선 다음 장부터 설명하겠습니다</a:t>
-            </a:r>
-            <a:r>
-              <a:rPr lang="en-US" altLang="ko-KR" dirty="0"/>
-              <a:t>.</a:t>
-            </a:r>
-            <a:endParaRPr lang="ko-KR" altLang="en-US" dirty="0"/>
+              <a:t>의 값은 카운트 기반을 사용하기 때문에 구하기 쉬움</a:t>
+            </a:r>
           </a:p>
         </p:txBody>
       </p:sp>
@@ -1622,7 +2600,7 @@
           <a:p>
             <a:fld id="{437338BD-3F3B-4523-AE4F-1240ACAAF31E}" type="slidenum">
               <a:rPr lang="ko-KR" altLang="en-US" smtClean="0"/>
-              <a:t>27</a:t>
+              <a:t>13</a:t>
             </a:fld>
             <a:endParaRPr lang="ko-KR" altLang="en-US"/>
           </a:p>
@@ -1631,7 +2609,7 @@
     </p:spTree>
     <p:extLst>
       <p:ext uri="{BB962C8B-B14F-4D97-AF65-F5344CB8AC3E}">
-        <p14:creationId xmlns:p14="http://schemas.microsoft.com/office/powerpoint/2010/main" val="1995534123"/>
+        <p14:creationId xmlns:p14="http://schemas.microsoft.com/office/powerpoint/2010/main" val="1202957480"/>
       </p:ext>
     </p:extLst>
   </p:cSld>
@@ -1687,44 +2665,12 @@
           <a:p>
             <a:r>
               <a:rPr lang="en-US" altLang="ko-KR" dirty="0"/>
-              <a:t>teacher forcing</a:t>
+              <a:t>p(w)</a:t>
             </a:r>
             <a:r>
               <a:rPr lang="ko-KR" altLang="en-US" dirty="0"/>
-              <a:t>은 학습이 빠르다는 장점과 노출 편향 문제라는 단점을 갖고 있음</a:t>
-            </a:r>
-            <a:endParaRPr lang="en-US" altLang="ko-KR" dirty="0"/>
-          </a:p>
-          <a:p>
-            <a:pPr marL="171450" indent="-171450">
-              <a:buFontTx/>
-              <a:buChar char="-"/>
-            </a:pPr>
-            <a:r>
-              <a:rPr lang="ko-KR" altLang="en-US" dirty="0"/>
-              <a:t>노출 편향 문제 </a:t>
-            </a:r>
-            <a:r>
-              <a:rPr lang="en-US" altLang="ko-KR" dirty="0"/>
-              <a:t>: </a:t>
-            </a:r>
-            <a:r>
-              <a:rPr lang="ko-KR" altLang="en-US" dirty="0"/>
-              <a:t>추론 과정에서는 </a:t>
-            </a:r>
-            <a:r>
-              <a:rPr lang="en-US" altLang="ko-KR" dirty="0"/>
-              <a:t>Ground Truth</a:t>
-            </a:r>
-            <a:r>
-              <a:rPr lang="ko-KR" altLang="en-US" dirty="0"/>
-              <a:t>를 제공할 수 없기 때문에 학습 단계와 추론 단계에서 차이가 존재하여 모델의 성능과 안정성을 떨어뜨릴 수 있다</a:t>
-            </a:r>
-            <a:r>
-              <a:rPr lang="en-US" altLang="ko-KR" dirty="0"/>
-              <a:t>.</a:t>
-            </a:r>
-            <a:endParaRPr lang="ko-KR" altLang="en-US" dirty="0"/>
+              <a:t>의 확률은 구했지만 아직 채널 모델이 남았음</a:t>
+            </a:r>
           </a:p>
         </p:txBody>
       </p:sp>
@@ -1745,7 +2691,7 @@
           <a:p>
             <a:fld id="{437338BD-3F3B-4523-AE4F-1240ACAAF31E}" type="slidenum">
               <a:rPr lang="ko-KR" altLang="en-US" smtClean="0"/>
-              <a:t>31</a:t>
+              <a:t>14</a:t>
             </a:fld>
             <a:endParaRPr lang="ko-KR" altLang="en-US"/>
           </a:p>
@@ -1754,7 +2700,7 @@
     </p:spTree>
     <p:extLst>
       <p:ext uri="{BB962C8B-B14F-4D97-AF65-F5344CB8AC3E}">
-        <p14:creationId xmlns:p14="http://schemas.microsoft.com/office/powerpoint/2010/main" val="3387647970"/>
+        <p14:creationId xmlns:p14="http://schemas.microsoft.com/office/powerpoint/2010/main" val="1122488129"/>
       </p:ext>
     </p:extLst>
   </p:cSld>
@@ -6697,7 +7643,7 @@
           <p:nvPr/>
         </p:nvPicPr>
         <p:blipFill>
-          <a:blip r:embed="rId2"/>
+          <a:blip r:embed="rId3"/>
           <a:stretch>
             <a:fillRect/>
           </a:stretch>
@@ -6860,7 +7806,7 @@
           <p:nvPr/>
         </p:nvPicPr>
         <p:blipFill>
-          <a:blip r:embed="rId2"/>
+          <a:blip r:embed="rId3"/>
           <a:stretch>
             <a:fillRect/>
           </a:stretch>
@@ -6875,6 +7821,58 @@
           </a:prstGeom>
         </p:spPr>
       </p:pic>
+      <p:sp>
+        <p:nvSpPr>
+          <p:cNvPr id="3" name="직사각형 2">
+            <a:extLst>
+              <a:ext uri="{FF2B5EF4-FFF2-40B4-BE49-F238E27FC236}">
+                <a16:creationId xmlns:a16="http://schemas.microsoft.com/office/drawing/2014/main" id="{DEC13647-74A2-4920-8BEB-5EAE280BA087}"/>
+              </a:ext>
+            </a:extLst>
+          </p:cNvPr>
+          <p:cNvSpPr/>
+          <p:nvPr/>
+        </p:nvSpPr>
+        <p:spPr>
+          <a:xfrm>
+            <a:off x="6244936" y="3990109"/>
+            <a:ext cx="280555" cy="187036"/>
+          </a:xfrm>
+          <a:prstGeom prst="rect">
+            <a:avLst/>
+          </a:prstGeom>
+          <a:noFill/>
+          <a:ln>
+            <a:solidFill>
+              <a:srgbClr val="FF0000"/>
+            </a:solidFill>
+          </a:ln>
+        </p:spPr>
+        <p:style>
+          <a:lnRef idx="2">
+            <a:schemeClr val="accent1">
+              <a:shade val="50000"/>
+            </a:schemeClr>
+          </a:lnRef>
+          <a:fillRef idx="1">
+            <a:schemeClr val="accent1"/>
+          </a:fillRef>
+          <a:effectRef idx="0">
+            <a:schemeClr val="accent1"/>
+          </a:effectRef>
+          <a:fontRef idx="minor">
+            <a:schemeClr val="lt1"/>
+          </a:fontRef>
+        </p:style>
+        <p:txBody>
+          <a:bodyPr rtlCol="0" anchor="ctr"/>
+          <a:lstStyle/>
+          <a:p>
+            <a:pPr algn="ctr"/>
+            <a:endParaRPr lang="ko-KR" altLang="en-US"/>
+          </a:p>
+        </p:txBody>
+      </p:sp>
     </p:spTree>
     <p:extLst>
       <p:ext uri="{BB962C8B-B14F-4D97-AF65-F5344CB8AC3E}">
@@ -6965,7 +7963,7 @@
           <p:nvPr/>
         </p:nvPicPr>
         <p:blipFill>
-          <a:blip r:embed="rId2"/>
+          <a:blip r:embed="rId3"/>
           <a:stretch>
             <a:fillRect/>
           </a:stretch>
@@ -7178,7 +8176,7 @@
           </p:nvPr>
         </p:nvPicPr>
         <p:blipFill>
-          <a:blip r:embed="rId2"/>
+          <a:blip r:embed="rId3"/>
           <a:stretch>
             <a:fillRect/>
           </a:stretch>
@@ -7327,7 +8325,7 @@
           <p:nvPr/>
         </p:nvPicPr>
         <p:blipFill>
-          <a:blip r:embed="rId3"/>
+          <a:blip r:embed="rId4"/>
           <a:stretch>
             <a:fillRect/>
           </a:stretch>
@@ -8111,7 +9109,7 @@
           <p:nvPr/>
         </p:nvPicPr>
         <p:blipFill>
-          <a:blip r:embed="rId2"/>
+          <a:blip r:embed="rId3"/>
           <a:stretch>
             <a:fillRect/>
           </a:stretch>
@@ -8412,7 +9410,15 @@
             </a:r>
             <a:r>
               <a:rPr lang="ko-KR" altLang="en-US" sz="2400" dirty="0"/>
-              <a:t>정도이기 때문에 이를 훨씬 작은 차원으로 줄임</a:t>
+              <a:t>정도이기 때문에 이를 훨씬 작은 차원으로 줄임 </a:t>
+            </a:r>
+            <a:r>
+              <a:rPr lang="en-US" altLang="ko-KR" sz="2400" dirty="0"/>
+              <a:t>-&gt; </a:t>
+            </a:r>
+            <a:r>
+              <a:rPr lang="ko-KR" altLang="en-US" sz="2400" dirty="0"/>
+              <a:t>특징 벡터</a:t>
             </a:r>
           </a:p>
         </p:txBody>
@@ -8648,6 +9654,88 @@
           </a:p>
         </p:txBody>
       </p:sp>
+      <p:pic>
+        <p:nvPicPr>
+          <p:cNvPr id="7" name="그림 6" descr="나이프이(가) 표시된 사진&#10;&#10;자동 생성된 설명">
+            <a:extLst>
+              <a:ext uri="{FF2B5EF4-FFF2-40B4-BE49-F238E27FC236}">
+                <a16:creationId xmlns:a16="http://schemas.microsoft.com/office/drawing/2014/main" id="{A22D1FB5-311E-4961-BBD5-4855425DBB60}"/>
+              </a:ext>
+            </a:extLst>
+          </p:cNvPr>
+          <p:cNvPicPr>
+            <a:picLocks noChangeAspect="1"/>
+          </p:cNvPicPr>
+          <p:nvPr/>
+        </p:nvPicPr>
+        <p:blipFill>
+          <a:blip r:embed="rId4"/>
+          <a:stretch>
+            <a:fillRect/>
+          </a:stretch>
+        </p:blipFill>
+        <p:spPr>
+          <a:xfrm>
+            <a:off x="5430005" y="6069048"/>
+            <a:ext cx="1581371" cy="619211"/>
+          </a:xfrm>
+          <a:prstGeom prst="rect">
+            <a:avLst/>
+          </a:prstGeom>
+        </p:spPr>
+      </p:pic>
+      <p:sp>
+        <p:nvSpPr>
+          <p:cNvPr id="11" name="직사각형 10">
+            <a:extLst>
+              <a:ext uri="{FF2B5EF4-FFF2-40B4-BE49-F238E27FC236}">
+                <a16:creationId xmlns:a16="http://schemas.microsoft.com/office/drawing/2014/main" id="{1DCC8F09-0506-450E-9CA6-AB1EE905115D}"/>
+              </a:ext>
+            </a:extLst>
+          </p:cNvPr>
+          <p:cNvSpPr/>
+          <p:nvPr/>
+        </p:nvSpPr>
+        <p:spPr>
+          <a:xfrm>
+            <a:off x="6096000" y="6255327"/>
+            <a:ext cx="229175" cy="237548"/>
+          </a:xfrm>
+          <a:prstGeom prst="rect">
+            <a:avLst/>
+          </a:prstGeom>
+          <a:noFill/>
+          <a:ln>
+            <a:solidFill>
+              <a:srgbClr val="FF0000"/>
+            </a:solidFill>
+          </a:ln>
+        </p:spPr>
+        <p:style>
+          <a:lnRef idx="2">
+            <a:schemeClr val="accent1">
+              <a:shade val="50000"/>
+            </a:schemeClr>
+          </a:lnRef>
+          <a:fillRef idx="1">
+            <a:schemeClr val="accent1"/>
+          </a:fillRef>
+          <a:effectRef idx="0">
+            <a:schemeClr val="accent1"/>
+          </a:effectRef>
+          <a:fontRef idx="minor">
+            <a:schemeClr val="lt1"/>
+          </a:fontRef>
+        </p:style>
+        <p:txBody>
+          <a:bodyPr rtlCol="0" anchor="ctr"/>
+          <a:lstStyle/>
+          <a:p>
+            <a:pPr algn="ctr"/>
+            <a:endParaRPr lang="ko-KR" altLang="en-US"/>
+          </a:p>
+        </p:txBody>
+      </p:sp>
     </p:spTree>
     <p:extLst>
       <p:ext uri="{BB962C8B-B14F-4D97-AF65-F5344CB8AC3E}">
@@ -8806,7 +9894,7 @@
             </a:r>
             <a:r>
               <a:rPr lang="en-US" altLang="ko-KR" sz="1400" dirty="0"/>
-              <a:t>P(W|X) </a:t>
+              <a:t>P(X|W) </a:t>
             </a:r>
             <a:r>
               <a:rPr lang="ko-KR" altLang="en-US" sz="1400" dirty="0"/>
@@ -10065,7 +11153,15 @@
             </a:r>
             <a:r>
               <a:rPr lang="ko-KR" altLang="en-US" sz="2400" dirty="0"/>
-              <a:t>개념만으로는 무슨 뜻인지 모르겠다</a:t>
+              <a:t>개념만으로는 왜 필요한지</a:t>
+            </a:r>
+            <a:r>
+              <a:rPr lang="en-US" altLang="ko-KR" sz="2400" dirty="0"/>
+              <a:t>, </a:t>
+            </a:r>
+            <a:r>
+              <a:rPr lang="ko-KR" altLang="en-US" sz="2400" dirty="0"/>
+              <a:t>무슨 뜻인지 모르겠다</a:t>
             </a:r>
             <a:r>
               <a:rPr lang="en-US" altLang="ko-KR" sz="2400" dirty="0"/>
@@ -12890,7 +13986,7 @@
           <p:nvPr/>
         </p:nvPicPr>
         <p:blipFill>
-          <a:blip r:embed="rId2"/>
+          <a:blip r:embed="rId3"/>
           <a:stretch>
             <a:fillRect/>
           </a:stretch>
@@ -12920,7 +14016,7 @@
           <p:nvPr/>
         </p:nvPicPr>
         <p:blipFill>
-          <a:blip r:embed="rId3"/>
+          <a:blip r:embed="rId4"/>
           <a:stretch>
             <a:fillRect/>
           </a:stretch>
@@ -13874,7 +14970,7 @@
           <p:nvPr/>
         </p:nvPicPr>
         <p:blipFill>
-          <a:blip r:embed="rId2"/>
+          <a:blip r:embed="rId3"/>
           <a:stretch>
             <a:fillRect/>
           </a:stretch>
@@ -14083,7 +15179,7 @@
           <p:nvPr/>
         </p:nvPicPr>
         <p:blipFill>
-          <a:blip r:embed="rId3"/>
+          <a:blip r:embed="rId4"/>
           <a:stretch>
             <a:fillRect/>
           </a:stretch>
@@ -14113,7 +15209,7 @@
           <p:nvPr/>
         </p:nvPicPr>
         <p:blipFill>
-          <a:blip r:embed="rId4"/>
+          <a:blip r:embed="rId5"/>
           <a:stretch>
             <a:fillRect/>
           </a:stretch>
